--- a/Presentation.pptx
+++ b/Presentation.pptx
@@ -4,6 +4,9 @@
   <p:sldMasterIdLst>
     <p:sldMasterId id="2147483648" r:id="rId1"/>
   </p:sldMasterIdLst>
+  <p:notesMasterIdLst>
+    <p:notesMasterId r:id="rId16"/>
+  </p:notesMasterIdLst>
   <p:sldIdLst>
     <p:sldId id="256" r:id="rId2"/>
     <p:sldId id="257" r:id="rId3"/>
@@ -11,8 +14,14 @@
     <p:sldId id="259" r:id="rId5"/>
     <p:sldId id="263" r:id="rId6"/>
     <p:sldId id="260" r:id="rId7"/>
-    <p:sldId id="261" r:id="rId8"/>
-    <p:sldId id="262" r:id="rId9"/>
+    <p:sldId id="264" r:id="rId8"/>
+    <p:sldId id="265" r:id="rId9"/>
+    <p:sldId id="267" r:id="rId10"/>
+    <p:sldId id="268" r:id="rId11"/>
+    <p:sldId id="269" r:id="rId12"/>
+    <p:sldId id="270" r:id="rId13"/>
+    <p:sldId id="261" r:id="rId14"/>
+    <p:sldId id="262" r:id="rId15"/>
   </p:sldIdLst>
   <p:sldSz cx="12192000" cy="6858000"/>
   <p:notesSz cx="6858000" cy="9144000"/>
@@ -111,7 +120,498 @@
       </a:defRPr>
     </a:lvl9pPr>
   </p:defaultTextStyle>
+  <p:extLst>
+    <p:ext uri="{EFAFB233-063F-42B5-8137-9DF3F51BA10A}">
+      <p15:sldGuideLst xmlns:p15="http://schemas.microsoft.com/office/powerpoint/2012/main"/>
+    </p:ext>
+  </p:extLst>
 </p:presentation>
+</file>
+
+<file path=ppt/ink/ink1.xml><?xml version="1.0" encoding="utf-8"?>
+<inkml:ink xmlns:inkml="http://www.w3.org/2003/InkML">
+  <inkml:definitions>
+    <inkml:context xml:id="ctx0">
+      <inkml:inkSource xml:id="inkSrc0">
+        <inkml:traceFormat>
+          <inkml:channel name="X" type="integer" min="-1920" max="1920" units="cm"/>
+          <inkml:channel name="Y" type="integer" max="1080" units="cm"/>
+          <inkml:channel name="T" type="integer" max="2.14748E9" units="dev"/>
+        </inkml:traceFormat>
+        <inkml:channelProperties>
+          <inkml:channelProperty channel="X" name="resolution" value="73.84615" units="1/cm"/>
+          <inkml:channelProperty channel="Y" name="resolution" value="36" units="1/cm"/>
+          <inkml:channelProperty channel="T" name="resolution" value="1" units="1/dev"/>
+        </inkml:channelProperties>
+      </inkml:inkSource>
+      <inkml:timestamp xml:id="ts0" timeString="2018-12-05T13:03:57.210"/>
+    </inkml:context>
+    <inkml:brush xml:id="br0">
+      <inkml:brushProperty name="width" value="0.21167" units="cm"/>
+      <inkml:brushProperty name="height" value="0.21167" units="cm"/>
+      <inkml:brushProperty name="fitToCurve" value="1"/>
+    </inkml:brush>
+  </inkml:definitions>
+  <inkml:trace contextRef="#ctx0" brushRef="#br0">10357 248 0,'-25'0'109,"1"0"-93,24-25 0,-25 25-16,0 0 0,1 0 15,-1 0-15,0 0 16,1 0-1,24-24-15,-25 24 0,0 0 0,1 0 16,-1 0-16,0 0 0,1 0 16,-1 0-16,0 0 0,1 0 15,-1 0-15,0 0 0,1 0 16,-1 0-16,0 0 0,1 0 16,-1 0-16,0 0 0,25-25 0,-24 25 0,-1 0 15,0 0-15,1 0 16,-1 0-16,0 0 0,1 0 15,-1 0-15,0 0 0,1 0 16,-1 0-16,0 0 0,1 0 16,-1 0-16,0 0 0,1 0 15,-1 0-15,0 0 0,1 0 16,-1 0-16,1 0 0,-1 0 16,0 0-16,1 0 0,-1 0 0,0 0 15,1 0-15,-1 0 0,0 0 16,1 0-16,-1 0 0,0 0 15,1 0-15,-1 0 0,0 0 0,1 0 16,-1 0-16,0 0 0,25 25 0,-24-25 16,-1 0-16,0 0 0,1 0 15,-1 0-15,0 0 0,25 24 0,-24-24 0,-1 0 16,0 0-16,1 0 0,-1 0 0,0 0 16,1 0-16,-1 0 0,0 0 0,1 0 15,-1 0-15,0 0 0,1 0 0,-1 0 0,0 0 0,1 0 16,-1 0-16,0 0 0,1 0 0,-1 0 0,0 0 15,1 0-15,-1 0 0,0 0 0,1 0 0,-1 0 16,1 0-16,-1 0 0,0 0 0,1 0 0,-1 0 16,0 0-16,1 0 0,-1 0 0,0 0 0,1 0 0,-1 0 15,0 0-15,1 0 0,-1 0 0,0 0 0,1 0 16,-1 0-16,0 0 0,1 0 0,-1 0 0,0 0 16,1 0-16,-1 0 0,0 0 0,1 0 0,-1 0 15,0 0-15,1 0 0,-1 0 0,0 0 0,1 0 16,-1 0-16,0 0 0,1 0 0,-1 0 0,0 0 0,1 0 15,-1 0-15,0 0 0,1 0 0,-1 0 0,0 0 16,1 0-16,-1 0 0,0 0 0,1 0 0,-1 0 0,0 0 16,1 0-16,-1 0 0,0 0 0,1 0 0,-1 0 15,1 0-15,-1 0 0,0 0 0,1 0 16,-1 0-16,0 0 0,1 0 0,-1 0 16,0 0-16,1 0 0,-1 0 0,25 25 0,-25-25 0,1 0 15,-1 0-15,0 0 0,1 0 0,-1 0 0,0 0 16,1 0-16,-1 0 0,0 0 0,1 0 0,-1 0 0,0 0 15,1 0-15,-1 0 0,0 0 0,1 0 16,-1 0-16,0 0 16,1 0-16,-1 0 15,0 0 32,1 0-31,-1 0-16,0 0 0,1 0 15,-1 0-15,0 0 16,1 0-16,-1 0 0,0 0 16,1 0-16,-1 0 0,0 0 15,1 0-15,-1 0 16,0 0-16,1 0 0,-1 0 16,1 0-16,-1 0 0,0 0 15,1 0-15,-1 0 0,0 0 0,1 0 16,-1 0-16,0 0 0,1 0 15,-1 0-15,0 0 0,1 0 0,-1 0 0,0 0 16,1 0-16,-1 0 0,0 0 16,1 0-16,-1 0 0,0 0 0,1 0 0,-1 0 15,0 0-15,25 25 0,-24-25 0,-1 0 0,0 0 16,1 0-16,-1 0 0,0 0 16,1 0-16,-1 0 0,0 0 0,1 0 15,-1 0-15,0 0 0,1 0 0,-1 0 16,0 0-16,1 0 0,-1 0 0,0 0 15,25 24-15,-24-24 0,-1 0 0,0 0 16,1 0-16,-1 0 0,0 0 0,25 25 16,-24-25-16,-1 0 0,0 0 15,1 0-15,-1 0 0,1 0 16,-1 0-16,0 0 0,1 0 0,-1 0 16,0 0-16,1 0 0,-1 0 15,0 0-15,1 0 0,-1 0 16,0 0-16,25 25 0,-24-25 0,-1 0 15,0 0-15,1 0 0,-1 0 16,0 0-16,1 0 0,-1 0 16,0 0-16,1 0 0,-1 0 0,0 0 15,1 0-15,-1 0 0,0 0 16,1 0-16,-1 0 0,0 0 0,1 0 16,-1 0-16,0 0 0,1 0 0,-1 0 15,0 0-15,1 0 0,-1 0 0,0 0 16,1 0-16,-1 0 0,25 24 0,-25-24 0,1 0 0,-1 0 0,0 0 15,1 0-15,-1 0 0,0 0 0,1 0 0,-1 0 16,1 0-16,-1 0 0,0 0 0,1 0 16,-1 0-16,0 0 0,1 0 0,-1 0 15,0 0-15,1 0 0,-1 0 16,0 0-16,1 0 0,-1 0 16,0 0-16,1 0 0,-1 0 15,0 0 1,1 0-16,-1 0 15,0 0-15,1 0 16,24 25-16,-25-25 0,0 0 0,1 0 16,-1 0-16,0 0 0,1 0 15,-1 0-15,0 0 0,1 0 16,-1 0-16,0 0 0,1 0 16,-1 0-16,0 0 0,1 0 15,-1 0-15,0 0 0,1 0 16,-1 0-16,0 0 0,1 0 15,-1 0-15,0 0 0,1 0 0,-1 0 16,0 0-16,1 0 0,-1 0 0,0 0 16,1 0-16,-1 0 0,1 0 0,-1 0 0,0 0 15,1 0-15,-1 0 0,0 0 0,1 0 0,-1 0 16,0 0-16,1 0 0,-1 0 0,0 0 0,1 0 16,-1 0-16,0 0 0,1 0 0,-1 0 0,0 0 15,1 0-15,-1 0 0,0 0 0,1 0 0,-1 0 16,0 0-16,1 0 0,-1 0 0,0 0 15,1 0-15,-1 0 0,0 0 16,1 0-16,-1 0 0,0 0 16,1 0-16,-1 0 0,0 0 15,1 0-15,-1 0 0,0 0 16,1 0-16,-1 0 0,0 0 16,1 0-16,-1 0 0,0 0 15,1 0-15,-1 0 16,0 0-16,1 0 0,-1 0 15,1 0 1,-1 0-16,0 0 0,1 0 16,-1 0-16,0 0 15,1 0-15,24-25 16,-25 25-16,0 0 16,1 0-1,-1 0 1,0 0-16,1 0 15,-1 0 1,0 0 0,1 0-1,-1 0 1,50 0 218,-1 0-234,1 0 0,-25-24 0,25 24 16,-1 0-16,1 0 0,0 0 0,-1 0 16,1 0-16,-25-25 0,25 25 15,-1 0-15,1 0 0,-25-25 0,25 25 16,-1 0-16,1 0 0,0 0 15,-1 0-15,1 0 0,-25-24 0,24 24 16,1 0-16,0 0 16,-1 0 31,-24-25-32,25 25 16,0 0-15,-1 0 0,1 0-16,0 0 15,-25-25-15,24 25 0,1 0 16,0 0 0,-25-24-16,24 24 0,1 0 15,0 0-15,-1 0 0,1 0 16,0 0-16,-1 0 0,1 0 15,0 0-15,-25-25 0,24 25 0,1 0 0,0 0 16,-1 0-16,1 0 0,0 0 16,-1 0-16,1 0 0,-25-25 15,25 25-15,-1 0 0,1 0 0,0 0 0,-1 0 16,1 0-16,0 0 0,-1 0 16,1 0-16,0 0 0,-1 0 0,1 0 0,-25-24 0,25 24 15,-1 0-15,1 0 0,0 0 0,-25-25 0,24 25 0,1 0 16,0 0-16,-1 0 0,1 0 0,-1 0 0,1 0 15,0 0-15,-1 0 0,1 0 0,0 0 16,-1 0-16,1 0 0,0 0 0,-1 0 16,1 0-16,-25-25 0,25 25 0,-1 0 0,1 0 15,0 0-15,-1 0 0,1 0 0,0 0 0,-1 0 16,1 0-16,0 0 0,-1 0 0,1 0 0,0 0 16,-1 0-16,1 0 0,0 0 0,-1 0 0,1 0 0,0 0 15,-1 0-15,1 0 0,0 0 0,-1 0 0,1 0 0,0 0 16,-1 0-16,1 0 0,0 0 0,-1 0 0,1 0 15,0 0-15,-1 0 0,1 0 0,0 0 16,-1 0-16,1 0 0,0 0 0,-1 0 0,1 0 16,0 0-16,-1 0 0,1 0 0,-1 0 0,1 0 15,0 0-15,-1 0 0,1 0 0,0 0 16,-1 0-16,1 0 0,0 0 0,-1 0 16,1 0-16,0 0 0,-1 0 15,1 0-15,0 0 0,-1 0 0,1 0 16,0 0-16,-1 0 0,1 0 15,0 0-15,-1 0 0,1 0 0,0 0 16,-25 25-16,24-25 0,1 0 0,0 0 16,-1 0-16,-24 25 0,25-25 0,0 0 15,-1 0-15,1 0 0,0 0 16,-25 24-16,24-24 0,1 0 0,0 0 16,-1 0-16,1 0 15,-25 25-15,25-25 0,-1 0 0,1 0 16,0 0-1,-1 0-15,1 0 0,-25 25 0,25-25 0,-1 0 16,1 0-16,0 24 0,-1-24 16,1 0-16,-1 0 0,1 0 15,0 0-15,-1 0 0,1 0 16,0 0-16,-1 0 0,1 0 16,0 0-16,-1 0 0,1 0 15,0 0-15,-1 0 16,1 0-16,0 0 0,-1 0 15,1 0-15,0 0 0,-1 0 16,1 0-16,0 0 0,-1 0 0,1 0 16,0 0-16,-1 0 15,1 0-15,0 0 0,-1 0 0,1 0 16,0 0-16,-1 0 0,1 0 0,0 0 16,-1 0-16,1 0 0,0 0 0,-1 0 15,1 0-15,0 0 0,-1 0 0,1 0 16,0 0-16,-1 0 0,1 0 0,0 0 15,-1 0-15,1 0 0,0 0 0,-1 0 16,1 0-16,0 0 0,-1 0 0,1 0 0,-1 0 16,1 0-16,0 0 0,-1 0 0,1 0 15,0 0-15,-1 0 0,1 0 16,0 0-16,-1 0 0,1 0 0,0 0 0,-1 0 16,1 0-16,0 0 0,-1 0 0,1 0 15,0 0-15,-1 0 0,1 0 0,0 0 16,-1 0-16,1 0 0,0 0 0,-1 0 0,1 0 15,0 0-15,-1 0 0,1 0 0,0 0 16,-1 0-16,1 0 0,0 0 16,-1 0-16,1 0 0,0 0 0,-1 0 15,1 0-15,0 0 0,-1 0 0,1 0 16,0 0-16,-1 0 0,1 0 16,0 0-16,-1 0 0,1 0 15,0 0-15,-1 0 0,1 0 16,-1 0-16,1 0 0,0 0 0,-1 0 15,-24-24-15,25 24 0,0 0 0,-1 0 0,1 0 0,0 0 16,-1 0-16,1 0 0,0 0 0,-1 0 0,1 0 0,0 0 0,-1 0 16,-24-25-16,25 25 0,0 0 0,-1 0 0,1 0 0,0 0 0,-1 0 0,1 0 15,0 0-15,-1 0 0,1 0 0,0-25 0,-1 25 0,1 0 16,0 0-16,-1 0 0,1 0 0,0 0 0,-1 0 0,1-24 16,0 24-16,-1 0 0,1 0 0,0 0 0,-25-25 0,24 25 0,1 0 0,0 0 15,-1 0-15,1 0 0,0 0 0,24 0 0,-24 0 0,-1 0 0,-24-25 16,25 25-16,0 0 0,-1 0 0,1 0 0,-1 0 0,1 0 0,0 0 0,-1 0 15,1 0-15,0 0 0,-1-24 0,1 24 0,0 0 0,-1 0 16,1 0-16,0 0 0,-1 0 0,1 0 0,0 0 16,-1 0-16,1 0 0,0 0 0,-1 0 0,1 0 15,0 0-15,-1 0 0,1 0 0,-25-25 16,25 25-16,-1 0 0,1 0 0,0 0 0,-1 0 16,1 0-16,0 0 0,-1 0 0,1 0 15,0 0-15,-1 0 16,1 0-16,0-25 0,-1 25 15,-48 0 157,-1 0-172,0 0 0,1 0 16,24 25-16,-25-25 0,0 0 0,1 0 16,-1 0-16,0 0 0,1 0 0,-1 0 15,0 25-15,1-25 0,-1 0 0,0 0 0,1 0 0,-1 0 16,0 0-16,1 0 0,-1 0 0,0 0 0,1 0 0,-1 0 0,25 24 0,-25-24 15,1 0-15,-1 0 0,0 0 0,1 0 0,-1 0 0,0 0 0,1 0 0,-1 0 16,0 0-16,1 0 0,-1 0 0,0 25 0,1-25 0,-1 0 0,1 0 16,-1 0-16,0 0 0,1 0 0,-1 0 0,0 0 0,1 0 0,-1 0 0,0 0 15,1 0-15,-1 0 0,0 0 0,1 0 0,-1 0 0,0 0 0,1 0 16,-1 0-16,0 0 0,1 0 0,-1 0 0,0 0 0,1 0 16,-1 0-16,0 0 0,25 25 0,-24-25 0,-1 0 0,0 0 15,1 0-15,-1 0 0,0 0 0,1 0 16,-1 0-16,0 0 0,1 0 0,-1 0 0,0 0 15,1 0-15,-1 0 0,0 0 0,1 0 0,-1 0 16,0 0-16,1 0 0,-1 0 0,0 0 16,1 0-16,-1 0 0,0 0 0,1 0 0,-1 0 15,0 0-15,1 0 0,24 24 0,-25-24 0,1 0 16,-1 0-16,0 0 0,1 0 0,-1 0 16,0 0-16,1 0 0,-1 0 0,0 0 0,1 0 15,-1 0-15,0 0 0,1 0 16,-1 0-16,0 0 0,1 0 0,-1 25 15,0-25-15,1 0 0,-1 0 16,0 0-16,1 0 0,-1 0 0,0 0 16,1 0-16,-1 0 0,0 0 0,1 0 15,-1 0-15,0 0 0,1 0 0,-1 0 0,0 0 16,1 0-16,-1 0 0,0 0 16,1 0-16,-1 0 0,0 0 15,1 0-15,-1 0 0,0 0 16,1 0-16,-1 0 15,0 0-15,1 0 16,-1 0-16,0 0 0,1 0 16,-1 0-16,1 0 15,-1 0-15,0 0 0,1 0 16,-1 0-16,0 0 0,1 0 0,-1 0 16,0 0-16,1 0 0,-1 0 0,0 0 0,1 0 15,-1 0-15,0 0 0,1 0 0,-1 0 0,0 0 16,1 0-16,-1 0 0,0 0 0,1 0 0,-1 0 15,0 0-15,1 0 0,-1 0 0,0 0 0,1 0 16,-1 0-16,0 0 0,1 0 0,-1 0 16,0 0-16,1 0 0,-1 0 0,0 0 15,1 0-15,-1 0 0,0 0 0,1 0 0,-1 0 16,0 0-16,1 0 0,-1 0 0,0 0 16,1 0-16,-1 0 0,0 0 0,1 0 0,-1 0 15,0 0-15,1 0 0,-1 0 0,1 0 0,-1 0 16,0 0-16,1 0 0,-1 0 0,0 0 15,1 0-15,-1 0 0,0 0 0,1 0 0,-1 0 16,0 0-16,1 0 0,-1 0 0,0 0 0,1 0 16,-1 0-16,0 0 0,1 0 0,-1 0 15,0 0-15,1 0 0,-1 0 0,0 0 0,1 0 16,-1 0-16,0 0 0,1 0 0,-1 0 0,0 0 0,1 0 16,-1 0-16,0 0 0,1 0 0,-1 0 0,0 0 0,1 0 0,-1 0 15,0 0-15,1 0 0,-1 0 0,0 0 0,1 0 0,-1 0 0,0 0 16,1 0-16,-1 0 0,0 0 0,1 0 0,-1 0 0,1 0 15,-1 0-15,0 0 0,1 0 0,-1 0 0,0 0 0,1 0 16,24-25-16,-25 25 0,0 0 0,1 0 0,-1 0 0,0 0 16,1 0-16,-1 0 0,0 0 0,1 0 0,-1 0 15,0 0-15,1 0 0,-1 0 16,0 0-16,1 0 0,-1 0 16,0 0-16,1 0 0,-1 0 15,0 0-15,1 0 16,-1 0-16,0 0 0,1 0 15,-1-24-15,0 24 0,1 0 16,-1 0-16,0 0 0,1 0 16,-1 0-16,0 0 0,1 0 15,-1 0-15,0 0 16,1 0-16,-1 0 16,0 0-16,1 0 15,24-25-15,-25 25 0,0 0 16,1 0-16,-1 0 15,0 0-15,1 0 0,-1 0 16,1 0-16,-1 0 16,0 0-16,1 0 15,-1 0-15,0 0 0,1 0 16,-1 0-16,0 0 0,1 0 16,-1 0-16,0 0 0,1 0 15,-1 0-15,0 0 0,1 0 16,-1 0-16,0 0 0,1 0 15,-1 0-15,0 0 0,1 0 16,-1 0-16,0 0 0,1 0 0,-1 0 16,0 0-16,1 0 0,-1 0 0,0 0 15,1 0-15,-1 0 0,0 0 0,1 0 16,-1 0-16,0 0 0,1 0 0,-1 0 16,0 0-16,1 0 0,-1 0 0,0 0 15,1 0-15,-1 0 0,0 0 0,1 0 16,-1 0-16,0 0 15,1 0-15,-1 0 16,1 0-16,-1 0 16,0 0 15,1 0 0,-1 0-15,0 0 15,1 0-31,-1 0 16,0 0-1,50 0 173,0 0-173,-1 0-15,1 0 0,0 0 16,-1 0-16,1 0 0,0 0 0,-1 0 16,1 0-16,-1 0 0,1 0 0,0 0 0,-1 0 15,1 0-15,0 0 0,-1 0 0,1 0 0,0 0 0,-1 0 0,1 0 16,0 0-16,-1 0 0,1 0 0,0 0 0,-1 0 0,1 0 16,0 0-16,-1 0 0,1 0 0,0 0 0,-1 0 0,1 25 0,0-25 0,-1 0 15,1 0-15,0 0 0,-1 0 0,1 0 0,0 0 16,-1 0-16,1 0 0,0 0 0,-1 0 15,1 0-15,0 0 0,-1 24 0,1-24 16,0 0-16,-1 0 16,1 0-16,0 0 15,-1 0-15,1 0 32,0 0-17,-1 0 1,1 0-16,0 0 0,-1 0 15,1 0 1,-1 0-16,1 0 16,0 0-1,-25 25 1,24-25-16,1 0 16,0 0-1,-1 0 1,1 0-1,0 0-15,-1 0 16,1 0 0,0 0 15,-1 0-15,1 0-1,0 0 1,-1 0 15,1 0-15,0 0-16,-1 0 15,1 0-15,0 0 16,-1 0-16,1 0 16,0 0-16,-1 0 15,1 0 1,0 0-1,-50 0 126,0 0-141,1 0 0,-1 0 16,0 0-16,1 0 15,24 25-15,-25-25 0,0 0 0,1 0 16,-1 0-16,0 0 0,1 0 0,-1 0 0,0 0 0,1 0 16,-1 0-16,25 24 0,-25-24 0,1 0 0,-1 0 15,0 0-15,1 0 0,-1 0 0,0 0 0,1 0 0,-1 0 16,0 0-16,1 0 0,-1 0 0,1 0 0,-1 0 0,0 0 15,1 0-15,-1 0 0,0 0 0,1 0 0,-1 0 16,0 0-16,1 0 0,-1 0 0,0 0 0,1 0 16,-1 0-16,0 0 0,1 0 0,-1 0 15,0 0-15,1 0 0,-1 0 16,0 0-16,25-24 0,-24 24 16,-1 0-16,0 0 15,1 0-15,-1 0 16,0 0-16,1 0 0,-1 0 15,0 0-15,1 0 16,48 0 109,1 0-125,-25-25 0,25 25 0,-1 0 16,1 0-16,0 0 0,-1 0 15,1 0-15,0 0 0,-1 0 32</inkml:trace>
+</inkml:ink>
+</file>
+
+<file path=ppt/notesMasters/notesMaster1.xml><?xml version="1.0" encoding="utf-8"?>
+<p:notesMaster xmlns:a="http://schemas.openxmlformats.org/drawingml/2006/main" xmlns:r="http://schemas.openxmlformats.org/officeDocument/2006/relationships" xmlns:p="http://schemas.openxmlformats.org/presentationml/2006/main">
+  <p:cSld>
+    <p:bg>
+      <p:bgRef idx="1001">
+        <a:schemeClr val="bg1"/>
+      </p:bgRef>
+    </p:bg>
+    <p:spTree>
+      <p:nvGrpSpPr>
+        <p:cNvPr id="1" name=""/>
+        <p:cNvGrpSpPr/>
+        <p:nvPr/>
+      </p:nvGrpSpPr>
+      <p:grpSpPr>
+        <a:xfrm>
+          <a:off x="0" y="0"/>
+          <a:ext cx="0" cy="0"/>
+          <a:chOff x="0" y="0"/>
+          <a:chExt cx="0" cy="0"/>
+        </a:xfrm>
+      </p:grpSpPr>
+      <p:sp>
+        <p:nvSpPr>
+          <p:cNvPr id="2" name="Header Placeholder 1"/>
+          <p:cNvSpPr>
+            <a:spLocks noGrp="1"/>
+          </p:cNvSpPr>
+          <p:nvPr>
+            <p:ph type="hdr" sz="quarter"/>
+          </p:nvPr>
+        </p:nvSpPr>
+        <p:spPr>
+          <a:xfrm>
+            <a:off x="0" y="0"/>
+            <a:ext cx="2971800" cy="458788"/>
+          </a:xfrm>
+          <a:prstGeom prst="rect">
+            <a:avLst/>
+          </a:prstGeom>
+        </p:spPr>
+        <p:txBody>
+          <a:bodyPr vert="horz" lIns="91440" tIns="45720" rIns="91440" bIns="45720" rtlCol="0"/>
+          <a:lstStyle>
+            <a:lvl1pPr algn="l">
+              <a:defRPr sz="1200"/>
+            </a:lvl1pPr>
+          </a:lstStyle>
+          <a:p>
+            <a:endParaRPr lang="en-US"/>
+          </a:p>
+        </p:txBody>
+      </p:sp>
+      <p:sp>
+        <p:nvSpPr>
+          <p:cNvPr id="3" name="Date Placeholder 2"/>
+          <p:cNvSpPr>
+            <a:spLocks noGrp="1"/>
+          </p:cNvSpPr>
+          <p:nvPr>
+            <p:ph type="dt" idx="1"/>
+          </p:nvPr>
+        </p:nvSpPr>
+        <p:spPr>
+          <a:xfrm>
+            <a:off x="3884613" y="0"/>
+            <a:ext cx="2971800" cy="458788"/>
+          </a:xfrm>
+          <a:prstGeom prst="rect">
+            <a:avLst/>
+          </a:prstGeom>
+        </p:spPr>
+        <p:txBody>
+          <a:bodyPr vert="horz" lIns="91440" tIns="45720" rIns="91440" bIns="45720" rtlCol="0"/>
+          <a:lstStyle>
+            <a:lvl1pPr algn="r">
+              <a:defRPr sz="1200"/>
+            </a:lvl1pPr>
+          </a:lstStyle>
+          <a:p>
+            <a:fld id="{DEAD2E1A-C600-415F-B056-DE15592A4BFA}" type="datetimeFigureOut">
+              <a:rPr lang="en-US" smtClean="0"/>
+              <a:t>12/5/2018</a:t>
+            </a:fld>
+            <a:endParaRPr lang="en-US"/>
+          </a:p>
+        </p:txBody>
+      </p:sp>
+      <p:sp>
+        <p:nvSpPr>
+          <p:cNvPr id="4" name="Slide Image Placeholder 3"/>
+          <p:cNvSpPr>
+            <a:spLocks noGrp="1" noRot="1" noChangeAspect="1"/>
+          </p:cNvSpPr>
+          <p:nvPr>
+            <p:ph type="sldImg" idx="2"/>
+          </p:nvPr>
+        </p:nvSpPr>
+        <p:spPr>
+          <a:xfrm>
+            <a:off x="685800" y="1143000"/>
+            <a:ext cx="5486400" cy="3086100"/>
+          </a:xfrm>
+          <a:prstGeom prst="rect">
+            <a:avLst/>
+          </a:prstGeom>
+          <a:noFill/>
+          <a:ln w="12700">
+            <a:solidFill>
+              <a:prstClr val="black"/>
+            </a:solidFill>
+          </a:ln>
+        </p:spPr>
+        <p:txBody>
+          <a:bodyPr vert="horz" lIns="91440" tIns="45720" rIns="91440" bIns="45720" rtlCol="0" anchor="ctr"/>
+          <a:lstStyle/>
+          <a:p>
+            <a:endParaRPr lang="en-US"/>
+          </a:p>
+        </p:txBody>
+      </p:sp>
+      <p:sp>
+        <p:nvSpPr>
+          <p:cNvPr id="5" name="Notes Placeholder 4"/>
+          <p:cNvSpPr>
+            <a:spLocks noGrp="1"/>
+          </p:cNvSpPr>
+          <p:nvPr>
+            <p:ph type="body" sz="quarter" idx="3"/>
+          </p:nvPr>
+        </p:nvSpPr>
+        <p:spPr>
+          <a:xfrm>
+            <a:off x="685800" y="4400550"/>
+            <a:ext cx="5486400" cy="3600450"/>
+          </a:xfrm>
+          <a:prstGeom prst="rect">
+            <a:avLst/>
+          </a:prstGeom>
+        </p:spPr>
+        <p:txBody>
+          <a:bodyPr vert="horz" lIns="91440" tIns="45720" rIns="91440" bIns="45720" rtlCol="0"/>
+          <a:lstStyle/>
+          <a:p>
+            <a:pPr lvl="0"/>
+            <a:r>
+              <a:rPr lang="en-US"/>
+              <a:t>Edit Master text styles</a:t>
+            </a:r>
+          </a:p>
+          <a:p>
+            <a:pPr lvl="1"/>
+            <a:r>
+              <a:rPr lang="en-US"/>
+              <a:t>Second level</a:t>
+            </a:r>
+          </a:p>
+          <a:p>
+            <a:pPr lvl="2"/>
+            <a:r>
+              <a:rPr lang="en-US"/>
+              <a:t>Third level</a:t>
+            </a:r>
+          </a:p>
+          <a:p>
+            <a:pPr lvl="3"/>
+            <a:r>
+              <a:rPr lang="en-US"/>
+              <a:t>Fourth level</a:t>
+            </a:r>
+          </a:p>
+          <a:p>
+            <a:pPr lvl="4"/>
+            <a:r>
+              <a:rPr lang="en-US"/>
+              <a:t>Fifth level</a:t>
+            </a:r>
+          </a:p>
+        </p:txBody>
+      </p:sp>
+      <p:sp>
+        <p:nvSpPr>
+          <p:cNvPr id="6" name="Footer Placeholder 5"/>
+          <p:cNvSpPr>
+            <a:spLocks noGrp="1"/>
+          </p:cNvSpPr>
+          <p:nvPr>
+            <p:ph type="ftr" sz="quarter" idx="4"/>
+          </p:nvPr>
+        </p:nvSpPr>
+        <p:spPr>
+          <a:xfrm>
+            <a:off x="0" y="8685213"/>
+            <a:ext cx="2971800" cy="458787"/>
+          </a:xfrm>
+          <a:prstGeom prst="rect">
+            <a:avLst/>
+          </a:prstGeom>
+        </p:spPr>
+        <p:txBody>
+          <a:bodyPr vert="horz" lIns="91440" tIns="45720" rIns="91440" bIns="45720" rtlCol="0" anchor="b"/>
+          <a:lstStyle>
+            <a:lvl1pPr algn="l">
+              <a:defRPr sz="1200"/>
+            </a:lvl1pPr>
+          </a:lstStyle>
+          <a:p>
+            <a:endParaRPr lang="en-US"/>
+          </a:p>
+        </p:txBody>
+      </p:sp>
+      <p:sp>
+        <p:nvSpPr>
+          <p:cNvPr id="7" name="Slide Number Placeholder 6"/>
+          <p:cNvSpPr>
+            <a:spLocks noGrp="1"/>
+          </p:cNvSpPr>
+          <p:nvPr>
+            <p:ph type="sldNum" sz="quarter" idx="5"/>
+          </p:nvPr>
+        </p:nvSpPr>
+        <p:spPr>
+          <a:xfrm>
+            <a:off x="3884613" y="8685213"/>
+            <a:ext cx="2971800" cy="458787"/>
+          </a:xfrm>
+          <a:prstGeom prst="rect">
+            <a:avLst/>
+          </a:prstGeom>
+        </p:spPr>
+        <p:txBody>
+          <a:bodyPr vert="horz" lIns="91440" tIns="45720" rIns="91440" bIns="45720" rtlCol="0" anchor="b"/>
+          <a:lstStyle>
+            <a:lvl1pPr algn="r">
+              <a:defRPr sz="1200"/>
+            </a:lvl1pPr>
+          </a:lstStyle>
+          <a:p>
+            <a:fld id="{825E73E2-B7FB-49D4-A7C7-EA9B09A9D0CF}" type="slidenum">
+              <a:rPr lang="en-US" smtClean="0"/>
+              <a:t>‹#›</a:t>
+            </a:fld>
+            <a:endParaRPr lang="en-US"/>
+          </a:p>
+        </p:txBody>
+      </p:sp>
+    </p:spTree>
+    <p:extLst>
+      <p:ext uri="{BB962C8B-B14F-4D97-AF65-F5344CB8AC3E}">
+        <p14:creationId xmlns:p14="http://schemas.microsoft.com/office/powerpoint/2010/main" val="1820464960"/>
+      </p:ext>
+    </p:extLst>
+  </p:cSld>
+  <p:clrMap bg1="lt1" tx1="dk1" bg2="lt2" tx2="dk2" accent1="accent1" accent2="accent2" accent3="accent3" accent4="accent4" accent5="accent5" accent6="accent6" hlink="hlink" folHlink="folHlink"/>
+  <p:notesStyle>
+    <a:lvl1pPr marL="0" algn="l" defTabSz="914400" rtl="0" eaLnBrk="1" latinLnBrk="0" hangingPunct="1">
+      <a:defRPr sz="1200" kern="1200">
+        <a:solidFill>
+          <a:schemeClr val="tx1"/>
+        </a:solidFill>
+        <a:latin typeface="+mn-lt"/>
+        <a:ea typeface="+mn-ea"/>
+        <a:cs typeface="+mn-cs"/>
+      </a:defRPr>
+    </a:lvl1pPr>
+    <a:lvl2pPr marL="457200" algn="l" defTabSz="914400" rtl="0" eaLnBrk="1" latinLnBrk="0" hangingPunct="1">
+      <a:defRPr sz="1200" kern="1200">
+        <a:solidFill>
+          <a:schemeClr val="tx1"/>
+        </a:solidFill>
+        <a:latin typeface="+mn-lt"/>
+        <a:ea typeface="+mn-ea"/>
+        <a:cs typeface="+mn-cs"/>
+      </a:defRPr>
+    </a:lvl2pPr>
+    <a:lvl3pPr marL="914400" algn="l" defTabSz="914400" rtl="0" eaLnBrk="1" latinLnBrk="0" hangingPunct="1">
+      <a:defRPr sz="1200" kern="1200">
+        <a:solidFill>
+          <a:schemeClr val="tx1"/>
+        </a:solidFill>
+        <a:latin typeface="+mn-lt"/>
+        <a:ea typeface="+mn-ea"/>
+        <a:cs typeface="+mn-cs"/>
+      </a:defRPr>
+    </a:lvl3pPr>
+    <a:lvl4pPr marL="1371600" algn="l" defTabSz="914400" rtl="0" eaLnBrk="1" latinLnBrk="0" hangingPunct="1">
+      <a:defRPr sz="1200" kern="1200">
+        <a:solidFill>
+          <a:schemeClr val="tx1"/>
+        </a:solidFill>
+        <a:latin typeface="+mn-lt"/>
+        <a:ea typeface="+mn-ea"/>
+        <a:cs typeface="+mn-cs"/>
+      </a:defRPr>
+    </a:lvl4pPr>
+    <a:lvl5pPr marL="1828800" algn="l" defTabSz="914400" rtl="0" eaLnBrk="1" latinLnBrk="0" hangingPunct="1">
+      <a:defRPr sz="1200" kern="1200">
+        <a:solidFill>
+          <a:schemeClr val="tx1"/>
+        </a:solidFill>
+        <a:latin typeface="+mn-lt"/>
+        <a:ea typeface="+mn-ea"/>
+        <a:cs typeface="+mn-cs"/>
+      </a:defRPr>
+    </a:lvl5pPr>
+    <a:lvl6pPr marL="2286000" algn="l" defTabSz="914400" rtl="0" eaLnBrk="1" latinLnBrk="0" hangingPunct="1">
+      <a:defRPr sz="1200" kern="1200">
+        <a:solidFill>
+          <a:schemeClr val="tx1"/>
+        </a:solidFill>
+        <a:latin typeface="+mn-lt"/>
+        <a:ea typeface="+mn-ea"/>
+        <a:cs typeface="+mn-cs"/>
+      </a:defRPr>
+    </a:lvl6pPr>
+    <a:lvl7pPr marL="2743200" algn="l" defTabSz="914400" rtl="0" eaLnBrk="1" latinLnBrk="0" hangingPunct="1">
+      <a:defRPr sz="1200" kern="1200">
+        <a:solidFill>
+          <a:schemeClr val="tx1"/>
+        </a:solidFill>
+        <a:latin typeface="+mn-lt"/>
+        <a:ea typeface="+mn-ea"/>
+        <a:cs typeface="+mn-cs"/>
+      </a:defRPr>
+    </a:lvl7pPr>
+    <a:lvl8pPr marL="3200400" algn="l" defTabSz="914400" rtl="0" eaLnBrk="1" latinLnBrk="0" hangingPunct="1">
+      <a:defRPr sz="1200" kern="1200">
+        <a:solidFill>
+          <a:schemeClr val="tx1"/>
+        </a:solidFill>
+        <a:latin typeface="+mn-lt"/>
+        <a:ea typeface="+mn-ea"/>
+        <a:cs typeface="+mn-cs"/>
+      </a:defRPr>
+    </a:lvl8pPr>
+    <a:lvl9pPr marL="3657600" algn="l" defTabSz="914400" rtl="0" eaLnBrk="1" latinLnBrk="0" hangingPunct="1">
+      <a:defRPr sz="1200" kern="1200">
+        <a:solidFill>
+          <a:schemeClr val="tx1"/>
+        </a:solidFill>
+        <a:latin typeface="+mn-lt"/>
+        <a:ea typeface="+mn-ea"/>
+        <a:cs typeface="+mn-cs"/>
+      </a:defRPr>
+    </a:lvl9pPr>
+  </p:notesStyle>
+</p:notesMaster>
+</file>
+
+<file path=ppt/notesSlides/notesSlide1.xml><?xml version="1.0" encoding="utf-8"?>
+<p:notes xmlns:a="http://schemas.openxmlformats.org/drawingml/2006/main" xmlns:r="http://schemas.openxmlformats.org/officeDocument/2006/relationships" xmlns:p="http://schemas.openxmlformats.org/presentationml/2006/main">
+  <p:cSld>
+    <p:spTree>
+      <p:nvGrpSpPr>
+        <p:cNvPr id="1" name=""/>
+        <p:cNvGrpSpPr/>
+        <p:nvPr/>
+      </p:nvGrpSpPr>
+      <p:grpSpPr>
+        <a:xfrm>
+          <a:off x="0" y="0"/>
+          <a:ext cx="0" cy="0"/>
+          <a:chOff x="0" y="0"/>
+          <a:chExt cx="0" cy="0"/>
+        </a:xfrm>
+      </p:grpSpPr>
+      <p:sp>
+        <p:nvSpPr>
+          <p:cNvPr id="2" name="Slide Image Placeholder 1"/>
+          <p:cNvSpPr>
+            <a:spLocks noGrp="1" noRot="1" noChangeAspect="1"/>
+          </p:cNvSpPr>
+          <p:nvPr>
+            <p:ph type="sldImg"/>
+          </p:nvPr>
+        </p:nvSpPr>
+        <p:spPr/>
+      </p:sp>
+      <p:sp>
+        <p:nvSpPr>
+          <p:cNvPr id="3" name="Notes Placeholder 2"/>
+          <p:cNvSpPr>
+            <a:spLocks noGrp="1"/>
+          </p:cNvSpPr>
+          <p:nvPr>
+            <p:ph type="body" idx="1"/>
+          </p:nvPr>
+        </p:nvSpPr>
+        <p:spPr/>
+        <p:txBody>
+          <a:bodyPr/>
+          <a:lstStyle/>
+          <a:p>
+            <a:r>
+              <a:rPr lang="en-US" dirty="0"/>
+              <a:t>-</a:t>
+            </a:r>
+          </a:p>
+          <a:p>
+            <a:r>
+              <a:rPr lang="en-US" dirty="0"/>
+              <a:t>-Average Java speeds: 61 </a:t>
+            </a:r>
+            <a:r>
+              <a:rPr lang="en-US" dirty="0" err="1"/>
+              <a:t>ms</a:t>
+            </a:r>
+            <a:r>
+              <a:rPr lang="en-US" dirty="0"/>
+              <a:t>, 2ms. Python: 240 </a:t>
+            </a:r>
+            <a:r>
+              <a:rPr lang="en-US" dirty="0" err="1"/>
+              <a:t>ms</a:t>
+            </a:r>
+            <a:r>
+              <a:rPr lang="en-US" dirty="0"/>
+              <a:t>, 2.4ms</a:t>
+            </a:r>
+          </a:p>
+        </p:txBody>
+      </p:sp>
+      <p:sp>
+        <p:nvSpPr>
+          <p:cNvPr id="4" name="Slide Number Placeholder 3"/>
+          <p:cNvSpPr>
+            <a:spLocks noGrp="1"/>
+          </p:cNvSpPr>
+          <p:nvPr>
+            <p:ph type="sldNum" sz="quarter" idx="5"/>
+          </p:nvPr>
+        </p:nvSpPr>
+        <p:spPr/>
+        <p:txBody>
+          <a:bodyPr/>
+          <a:lstStyle/>
+          <a:p>
+            <a:fld id="{825E73E2-B7FB-49D4-A7C7-EA9B09A9D0CF}" type="slidenum">
+              <a:rPr lang="en-US" smtClean="0"/>
+              <a:t>13</a:t>
+            </a:fld>
+            <a:endParaRPr lang="en-US"/>
+          </a:p>
+        </p:txBody>
+      </p:sp>
+    </p:spTree>
+    <p:extLst>
+      <p:ext uri="{BB962C8B-B14F-4D97-AF65-F5344CB8AC3E}">
+        <p14:creationId xmlns:p14="http://schemas.microsoft.com/office/powerpoint/2010/main" val="3602082440"/>
+      </p:ext>
+    </p:extLst>
+  </p:cSld>
+  <p:clrMapOvr>
+    <a:masterClrMapping/>
+  </p:clrMapOvr>
+</p:notes>
 </file>
 
 <file path=ppt/slideLayouts/slideLayout1.xml><?xml version="1.0" encoding="utf-8"?>
@@ -7679,20 +8179,20 @@
             <p:ph type="ctrTitle"/>
           </p:nvPr>
         </p:nvSpPr>
-        <p:spPr/>
+        <p:spPr>
+          <a:xfrm>
+            <a:off x="276837" y="2733709"/>
+            <a:ext cx="8547619" cy="1373070"/>
+          </a:xfrm>
+        </p:spPr>
         <p:txBody>
           <a:bodyPr/>
           <a:lstStyle/>
           <a:p>
             <a:r>
               <a:rPr lang="en-US" dirty="0"/>
-              <a:t>Comparing Python and Java via a “database” </a:t>
-            </a:r>
-            <a:r>
-              <a:rPr lang="en-US" dirty="0" err="1"/>
-              <a:t>prgram</a:t>
-            </a:r>
-            <a:endParaRPr lang="en-US" dirty="0"/>
+              <a:t>Comparing Python and Java for a small-scale app</a:t>
+            </a:r>
           </a:p>
         </p:txBody>
       </p:sp>
@@ -7728,6 +8228,676 @@
     <p:extLst>
       <p:ext uri="{BB962C8B-B14F-4D97-AF65-F5344CB8AC3E}">
         <p14:creationId xmlns:p14="http://schemas.microsoft.com/office/powerpoint/2010/main" val="1985915212"/>
+      </p:ext>
+    </p:extLst>
+  </p:cSld>
+  <p:clrMapOvr>
+    <a:masterClrMapping/>
+  </p:clrMapOvr>
+</p:sld>
+</file>
+
+<file path=ppt/slides/slide10.xml><?xml version="1.0" encoding="utf-8"?>
+<p:sld xmlns:a="http://schemas.openxmlformats.org/drawingml/2006/main" xmlns:r="http://schemas.openxmlformats.org/officeDocument/2006/relationships" xmlns:p="http://schemas.openxmlformats.org/presentationml/2006/main">
+  <p:cSld>
+    <p:spTree>
+      <p:nvGrpSpPr>
+        <p:cNvPr id="1" name=""/>
+        <p:cNvGrpSpPr/>
+        <p:nvPr/>
+      </p:nvGrpSpPr>
+      <p:grpSpPr>
+        <a:xfrm>
+          <a:off x="0" y="0"/>
+          <a:ext cx="0" cy="0"/>
+          <a:chOff x="0" y="0"/>
+          <a:chExt cx="0" cy="0"/>
+        </a:xfrm>
+      </p:grpSpPr>
+      <p:sp>
+        <p:nvSpPr>
+          <p:cNvPr id="2" name="Title 1">
+            <a:extLst>
+              <a:ext uri="{FF2B5EF4-FFF2-40B4-BE49-F238E27FC236}">
+                <a16:creationId xmlns:a16="http://schemas.microsoft.com/office/drawing/2014/main" id="{9AC20FF7-D052-49F5-A853-CE6C4C71081A}"/>
+              </a:ext>
+            </a:extLst>
+          </p:cNvPr>
+          <p:cNvSpPr>
+            <a:spLocks noGrp="1"/>
+          </p:cNvSpPr>
+          <p:nvPr>
+            <p:ph type="title"/>
+          </p:nvPr>
+        </p:nvSpPr>
+        <p:spPr/>
+        <p:txBody>
+          <a:bodyPr/>
+          <a:lstStyle/>
+          <a:p>
+            <a:r>
+              <a:rPr lang="en-US" dirty="0"/>
+              <a:t>Implementation</a:t>
+            </a:r>
+          </a:p>
+        </p:txBody>
+      </p:sp>
+      <p:sp>
+        <p:nvSpPr>
+          <p:cNvPr id="11" name="Text Placeholder 10">
+            <a:extLst>
+              <a:ext uri="{FF2B5EF4-FFF2-40B4-BE49-F238E27FC236}">
+                <a16:creationId xmlns:a16="http://schemas.microsoft.com/office/drawing/2014/main" id="{2B21AEE5-C01F-4189-A0F4-2AB919966864}"/>
+              </a:ext>
+            </a:extLst>
+          </p:cNvPr>
+          <p:cNvSpPr>
+            <a:spLocks noGrp="1"/>
+          </p:cNvSpPr>
+          <p:nvPr>
+            <p:ph type="body" idx="1"/>
+          </p:nvPr>
+        </p:nvSpPr>
+        <p:spPr/>
+        <p:txBody>
+          <a:bodyPr/>
+          <a:lstStyle/>
+          <a:p>
+            <a:r>
+              <a:rPr lang="en-US" dirty="0"/>
+              <a:t>Python</a:t>
+            </a:r>
+          </a:p>
+        </p:txBody>
+      </p:sp>
+      <p:sp>
+        <p:nvSpPr>
+          <p:cNvPr id="12" name="Text Placeholder 11">
+            <a:extLst>
+              <a:ext uri="{FF2B5EF4-FFF2-40B4-BE49-F238E27FC236}">
+                <a16:creationId xmlns:a16="http://schemas.microsoft.com/office/drawing/2014/main" id="{7F806451-AA69-47D3-B2F6-869A1A53F0BD}"/>
+              </a:ext>
+            </a:extLst>
+          </p:cNvPr>
+          <p:cNvSpPr>
+            <a:spLocks noGrp="1"/>
+          </p:cNvSpPr>
+          <p:nvPr>
+            <p:ph type="body" sz="quarter" idx="3"/>
+          </p:nvPr>
+        </p:nvSpPr>
+        <p:spPr/>
+        <p:txBody>
+          <a:bodyPr/>
+          <a:lstStyle/>
+          <a:p>
+            <a:r>
+              <a:rPr lang="en-US" dirty="0"/>
+              <a:t>Java</a:t>
+            </a:r>
+          </a:p>
+        </p:txBody>
+      </p:sp>
+      <p:pic>
+        <p:nvPicPr>
+          <p:cNvPr id="7" name="Picture 6">
+            <a:extLst>
+              <a:ext uri="{FF2B5EF4-FFF2-40B4-BE49-F238E27FC236}">
+                <a16:creationId xmlns:a16="http://schemas.microsoft.com/office/drawing/2014/main" id="{39D296DA-957F-4856-AFBC-D0EB7BFED641}"/>
+              </a:ext>
+            </a:extLst>
+          </p:cNvPr>
+          <p:cNvPicPr>
+            <a:picLocks noChangeAspect="1"/>
+          </p:cNvPicPr>
+          <p:nvPr/>
+        </p:nvPicPr>
+        <p:blipFill rotWithShape="1">
+          <a:blip r:embed="rId2"/>
+          <a:srcRect l="1" t="38539" r="58881" b="52654"/>
+          <a:stretch/>
+        </p:blipFill>
+        <p:spPr>
+          <a:xfrm>
+            <a:off x="0" y="3118281"/>
+            <a:ext cx="5157926" cy="621437"/>
+          </a:xfrm>
+          <a:prstGeom prst="rect">
+            <a:avLst/>
+          </a:prstGeom>
+        </p:spPr>
+      </p:pic>
+      <p:pic>
+        <p:nvPicPr>
+          <p:cNvPr id="9" name="Picture 8">
+            <a:extLst>
+              <a:ext uri="{FF2B5EF4-FFF2-40B4-BE49-F238E27FC236}">
+                <a16:creationId xmlns:a16="http://schemas.microsoft.com/office/drawing/2014/main" id="{52ABDC9B-45FC-458F-96CB-3A30DDFD411A}"/>
+              </a:ext>
+            </a:extLst>
+          </p:cNvPr>
+          <p:cNvPicPr>
+            <a:picLocks noChangeAspect="1"/>
+          </p:cNvPicPr>
+          <p:nvPr/>
+        </p:nvPicPr>
+        <p:blipFill rotWithShape="1">
+          <a:blip r:embed="rId3"/>
+          <a:srcRect l="25704" t="22784" r="15566" b="47314"/>
+          <a:stretch/>
+        </p:blipFill>
+        <p:spPr>
+          <a:xfrm>
+            <a:off x="5421046" y="3028949"/>
+            <a:ext cx="6672156" cy="1910919"/>
+          </a:xfrm>
+          <a:prstGeom prst="rect">
+            <a:avLst/>
+          </a:prstGeom>
+        </p:spPr>
+      </p:pic>
+    </p:spTree>
+    <p:extLst>
+      <p:ext uri="{BB962C8B-B14F-4D97-AF65-F5344CB8AC3E}">
+        <p14:creationId xmlns:p14="http://schemas.microsoft.com/office/powerpoint/2010/main" val="834449534"/>
+      </p:ext>
+    </p:extLst>
+  </p:cSld>
+  <p:clrMapOvr>
+    <a:masterClrMapping/>
+  </p:clrMapOvr>
+</p:sld>
+</file>
+
+<file path=ppt/slides/slide11.xml><?xml version="1.0" encoding="utf-8"?>
+<p:sld xmlns:a="http://schemas.openxmlformats.org/drawingml/2006/main" xmlns:r="http://schemas.openxmlformats.org/officeDocument/2006/relationships" xmlns:p="http://schemas.openxmlformats.org/presentationml/2006/main">
+  <p:cSld>
+    <p:spTree>
+      <p:nvGrpSpPr>
+        <p:cNvPr id="1" name=""/>
+        <p:cNvGrpSpPr/>
+        <p:nvPr/>
+      </p:nvGrpSpPr>
+      <p:grpSpPr>
+        <a:xfrm>
+          <a:off x="0" y="0"/>
+          <a:ext cx="0" cy="0"/>
+          <a:chOff x="0" y="0"/>
+          <a:chExt cx="0" cy="0"/>
+        </a:xfrm>
+      </p:grpSpPr>
+      <p:sp>
+        <p:nvSpPr>
+          <p:cNvPr id="2" name="Title 1">
+            <a:extLst>
+              <a:ext uri="{FF2B5EF4-FFF2-40B4-BE49-F238E27FC236}">
+                <a16:creationId xmlns:a16="http://schemas.microsoft.com/office/drawing/2014/main" id="{9AC20FF7-D052-49F5-A853-CE6C4C71081A}"/>
+              </a:ext>
+            </a:extLst>
+          </p:cNvPr>
+          <p:cNvSpPr>
+            <a:spLocks noGrp="1"/>
+          </p:cNvSpPr>
+          <p:nvPr>
+            <p:ph type="title"/>
+          </p:nvPr>
+        </p:nvSpPr>
+        <p:spPr/>
+        <p:txBody>
+          <a:bodyPr/>
+          <a:lstStyle/>
+          <a:p>
+            <a:r>
+              <a:rPr lang="en-US" dirty="0"/>
+              <a:t>Implementation</a:t>
+            </a:r>
+          </a:p>
+        </p:txBody>
+      </p:sp>
+      <p:sp>
+        <p:nvSpPr>
+          <p:cNvPr id="11" name="Text Placeholder 10">
+            <a:extLst>
+              <a:ext uri="{FF2B5EF4-FFF2-40B4-BE49-F238E27FC236}">
+                <a16:creationId xmlns:a16="http://schemas.microsoft.com/office/drawing/2014/main" id="{2B21AEE5-C01F-4189-A0F4-2AB919966864}"/>
+              </a:ext>
+            </a:extLst>
+          </p:cNvPr>
+          <p:cNvSpPr>
+            <a:spLocks noGrp="1"/>
+          </p:cNvSpPr>
+          <p:nvPr>
+            <p:ph idx="1"/>
+          </p:nvPr>
+        </p:nvSpPr>
+        <p:spPr/>
+        <p:txBody>
+          <a:bodyPr/>
+          <a:lstStyle/>
+          <a:p>
+            <a:pPr marL="0" indent="0" algn="ctr">
+              <a:buNone/>
+            </a:pPr>
+            <a:r>
+              <a:rPr lang="en-US" dirty="0"/>
+              <a:t>Java</a:t>
+            </a:r>
+          </a:p>
+        </p:txBody>
+      </p:sp>
+      <p:pic>
+        <p:nvPicPr>
+          <p:cNvPr id="4" name="Picture 3">
+            <a:extLst>
+              <a:ext uri="{FF2B5EF4-FFF2-40B4-BE49-F238E27FC236}">
+                <a16:creationId xmlns:a16="http://schemas.microsoft.com/office/drawing/2014/main" id="{C58A8782-B4F8-4A18-B6BD-70A6410D89D0}"/>
+              </a:ext>
+            </a:extLst>
+          </p:cNvPr>
+          <p:cNvPicPr>
+            <a:picLocks noChangeAspect="1"/>
+          </p:cNvPicPr>
+          <p:nvPr/>
+        </p:nvPicPr>
+        <p:blipFill rotWithShape="1">
+          <a:blip r:embed="rId2"/>
+          <a:srcRect l="25340" t="28997" r="50000" b="53786"/>
+          <a:stretch/>
+        </p:blipFill>
+        <p:spPr>
+          <a:xfrm>
+            <a:off x="2119974" y="2747522"/>
+            <a:ext cx="5697375" cy="2237453"/>
+          </a:xfrm>
+          <a:prstGeom prst="rect">
+            <a:avLst/>
+          </a:prstGeom>
+        </p:spPr>
+      </p:pic>
+      <p:pic>
+        <p:nvPicPr>
+          <p:cNvPr id="6" name="Picture 5">
+            <a:extLst>
+              <a:ext uri="{FF2B5EF4-FFF2-40B4-BE49-F238E27FC236}">
+                <a16:creationId xmlns:a16="http://schemas.microsoft.com/office/drawing/2014/main" id="{A7CC6C63-9B7D-462A-8488-B9A649B707F1}"/>
+              </a:ext>
+            </a:extLst>
+          </p:cNvPr>
+          <p:cNvPicPr>
+            <a:picLocks noChangeAspect="1"/>
+          </p:cNvPicPr>
+          <p:nvPr/>
+        </p:nvPicPr>
+        <p:blipFill rotWithShape="1">
+          <a:blip r:embed="rId3"/>
+          <a:srcRect l="25485" t="45437" r="43278" b="46149"/>
+          <a:stretch/>
+        </p:blipFill>
+        <p:spPr>
+          <a:xfrm>
+            <a:off x="2119974" y="5066357"/>
+            <a:ext cx="7952051" cy="1204857"/>
+          </a:xfrm>
+          <a:prstGeom prst="rect">
+            <a:avLst/>
+          </a:prstGeom>
+        </p:spPr>
+      </p:pic>
+    </p:spTree>
+    <p:extLst>
+      <p:ext uri="{BB962C8B-B14F-4D97-AF65-F5344CB8AC3E}">
+        <p14:creationId xmlns:p14="http://schemas.microsoft.com/office/powerpoint/2010/main" val="2337287882"/>
+      </p:ext>
+    </p:extLst>
+  </p:cSld>
+  <p:clrMapOvr>
+    <a:masterClrMapping/>
+  </p:clrMapOvr>
+</p:sld>
+</file>
+
+<file path=ppt/slides/slide12.xml><?xml version="1.0" encoding="utf-8"?>
+<p:sld xmlns:a="http://schemas.openxmlformats.org/drawingml/2006/main" xmlns:r="http://schemas.openxmlformats.org/officeDocument/2006/relationships" xmlns:p="http://schemas.openxmlformats.org/presentationml/2006/main">
+  <p:cSld>
+    <p:spTree>
+      <p:nvGrpSpPr>
+        <p:cNvPr id="1" name=""/>
+        <p:cNvGrpSpPr/>
+        <p:nvPr/>
+      </p:nvGrpSpPr>
+      <p:grpSpPr>
+        <a:xfrm>
+          <a:off x="0" y="0"/>
+          <a:ext cx="0" cy="0"/>
+          <a:chOff x="0" y="0"/>
+          <a:chExt cx="0" cy="0"/>
+        </a:xfrm>
+      </p:grpSpPr>
+      <p:sp>
+        <p:nvSpPr>
+          <p:cNvPr id="2" name="Title 1">
+            <a:extLst>
+              <a:ext uri="{FF2B5EF4-FFF2-40B4-BE49-F238E27FC236}">
+                <a16:creationId xmlns:a16="http://schemas.microsoft.com/office/drawing/2014/main" id="{9AC20FF7-D052-49F5-A853-CE6C4C71081A}"/>
+              </a:ext>
+            </a:extLst>
+          </p:cNvPr>
+          <p:cNvSpPr>
+            <a:spLocks noGrp="1"/>
+          </p:cNvSpPr>
+          <p:nvPr>
+            <p:ph type="title"/>
+          </p:nvPr>
+        </p:nvSpPr>
+        <p:spPr/>
+        <p:txBody>
+          <a:bodyPr/>
+          <a:lstStyle/>
+          <a:p>
+            <a:r>
+              <a:rPr lang="en-US" dirty="0"/>
+              <a:t>Implementation</a:t>
+            </a:r>
+          </a:p>
+        </p:txBody>
+      </p:sp>
+      <p:sp>
+        <p:nvSpPr>
+          <p:cNvPr id="11" name="Text Placeholder 10">
+            <a:extLst>
+              <a:ext uri="{FF2B5EF4-FFF2-40B4-BE49-F238E27FC236}">
+                <a16:creationId xmlns:a16="http://schemas.microsoft.com/office/drawing/2014/main" id="{2B21AEE5-C01F-4189-A0F4-2AB919966864}"/>
+              </a:ext>
+            </a:extLst>
+          </p:cNvPr>
+          <p:cNvSpPr>
+            <a:spLocks noGrp="1"/>
+          </p:cNvSpPr>
+          <p:nvPr>
+            <p:ph idx="1"/>
+          </p:nvPr>
+        </p:nvSpPr>
+        <p:spPr/>
+        <p:txBody>
+          <a:bodyPr/>
+          <a:lstStyle/>
+          <a:p>
+            <a:pPr marL="0" indent="0" algn="ctr">
+              <a:buNone/>
+            </a:pPr>
+            <a:r>
+              <a:rPr lang="en-US" dirty="0"/>
+              <a:t>Python</a:t>
+            </a:r>
+          </a:p>
+        </p:txBody>
+      </p:sp>
+      <p:pic>
+        <p:nvPicPr>
+          <p:cNvPr id="7" name="Picture 6">
+            <a:extLst>
+              <a:ext uri="{FF2B5EF4-FFF2-40B4-BE49-F238E27FC236}">
+                <a16:creationId xmlns:a16="http://schemas.microsoft.com/office/drawing/2014/main" id="{93B79216-6D49-4E44-8076-E31A769C19CD}"/>
+              </a:ext>
+            </a:extLst>
+          </p:cNvPr>
+          <p:cNvPicPr>
+            <a:picLocks noChangeAspect="1"/>
+          </p:cNvPicPr>
+          <p:nvPr/>
+        </p:nvPicPr>
+        <p:blipFill rotWithShape="1">
+          <a:blip r:embed="rId2"/>
+          <a:srcRect t="7249" r="26675" b="87508"/>
+          <a:stretch/>
+        </p:blipFill>
+        <p:spPr>
+          <a:xfrm>
+            <a:off x="48941" y="2942594"/>
+            <a:ext cx="12094117" cy="486406"/>
+          </a:xfrm>
+          <a:prstGeom prst="rect">
+            <a:avLst/>
+          </a:prstGeom>
+        </p:spPr>
+      </p:pic>
+    </p:spTree>
+    <p:extLst>
+      <p:ext uri="{BB962C8B-B14F-4D97-AF65-F5344CB8AC3E}">
+        <p14:creationId xmlns:p14="http://schemas.microsoft.com/office/powerpoint/2010/main" val="821569229"/>
+      </p:ext>
+    </p:extLst>
+  </p:cSld>
+  <p:clrMapOvr>
+    <a:masterClrMapping/>
+  </p:clrMapOvr>
+</p:sld>
+</file>
+
+<file path=ppt/slides/slide13.xml><?xml version="1.0" encoding="utf-8"?>
+<p:sld xmlns:a="http://schemas.openxmlformats.org/drawingml/2006/main" xmlns:r="http://schemas.openxmlformats.org/officeDocument/2006/relationships" xmlns:p="http://schemas.openxmlformats.org/presentationml/2006/main">
+  <p:cSld>
+    <p:spTree>
+      <p:nvGrpSpPr>
+        <p:cNvPr id="1" name=""/>
+        <p:cNvGrpSpPr/>
+        <p:nvPr/>
+      </p:nvGrpSpPr>
+      <p:grpSpPr>
+        <a:xfrm>
+          <a:off x="0" y="0"/>
+          <a:ext cx="0" cy="0"/>
+          <a:chOff x="0" y="0"/>
+          <a:chExt cx="0" cy="0"/>
+        </a:xfrm>
+      </p:grpSpPr>
+      <p:sp>
+        <p:nvSpPr>
+          <p:cNvPr id="2" name="Title 1">
+            <a:extLst>
+              <a:ext uri="{FF2B5EF4-FFF2-40B4-BE49-F238E27FC236}">
+                <a16:creationId xmlns:a16="http://schemas.microsoft.com/office/drawing/2014/main" id="{31AA634C-90EB-4E85-9927-A5C311BA9F43}"/>
+              </a:ext>
+            </a:extLst>
+          </p:cNvPr>
+          <p:cNvSpPr>
+            <a:spLocks noGrp="1"/>
+          </p:cNvSpPr>
+          <p:nvPr>
+            <p:ph type="title"/>
+          </p:nvPr>
+        </p:nvSpPr>
+        <p:spPr/>
+        <p:txBody>
+          <a:bodyPr/>
+          <a:lstStyle/>
+          <a:p>
+            <a:r>
+              <a:rPr lang="en-US" dirty="0"/>
+              <a:t>Observations</a:t>
+            </a:r>
+          </a:p>
+        </p:txBody>
+      </p:sp>
+      <p:sp>
+        <p:nvSpPr>
+          <p:cNvPr id="3" name="Content Placeholder 2">
+            <a:extLst>
+              <a:ext uri="{FF2B5EF4-FFF2-40B4-BE49-F238E27FC236}">
+                <a16:creationId xmlns:a16="http://schemas.microsoft.com/office/drawing/2014/main" id="{DCAFF27D-9456-454E-8FC4-F0332E101251}"/>
+              </a:ext>
+            </a:extLst>
+          </p:cNvPr>
+          <p:cNvSpPr>
+            <a:spLocks noGrp="1"/>
+          </p:cNvSpPr>
+          <p:nvPr>
+            <p:ph idx="1"/>
+          </p:nvPr>
+        </p:nvSpPr>
+        <p:spPr/>
+        <p:txBody>
+          <a:bodyPr>
+            <a:normAutofit/>
+          </a:bodyPr>
+          <a:lstStyle/>
+          <a:p>
+            <a:r>
+              <a:rPr lang="en-US" dirty="0"/>
+              <a:t>Total lines of code: </a:t>
+            </a:r>
+          </a:p>
+          <a:p>
+            <a:pPr lvl="1"/>
+            <a:r>
+              <a:rPr lang="en-US" dirty="0"/>
+              <a:t>Python: 171</a:t>
+            </a:r>
+          </a:p>
+          <a:p>
+            <a:pPr lvl="1"/>
+            <a:r>
+              <a:rPr lang="en-US" dirty="0"/>
+              <a:t>Java: 278</a:t>
+            </a:r>
+          </a:p>
+          <a:p>
+            <a:r>
+              <a:rPr lang="en-US" dirty="0"/>
+              <a:t>List comprehensions and lambda + reduce are both very efficient</a:t>
+            </a:r>
+          </a:p>
+          <a:p>
+            <a:r>
+              <a:rPr lang="en-US" dirty="0"/>
+              <a:t>Decorators made the biggest difference</a:t>
+            </a:r>
+          </a:p>
+          <a:p>
+            <a:r>
+              <a:rPr lang="en-US" dirty="0"/>
+              <a:t>Generators don’t help much</a:t>
+            </a:r>
+          </a:p>
+          <a:p>
+            <a:r>
+              <a:rPr lang="en-US" dirty="0"/>
+              <a:t>Speed difference is negligible for files, but major for large ones</a:t>
+            </a:r>
+          </a:p>
+          <a:p>
+            <a:endParaRPr lang="en-US" dirty="0"/>
+          </a:p>
+        </p:txBody>
+      </p:sp>
+    </p:spTree>
+    <p:extLst>
+      <p:ext uri="{BB962C8B-B14F-4D97-AF65-F5344CB8AC3E}">
+        <p14:creationId xmlns:p14="http://schemas.microsoft.com/office/powerpoint/2010/main" val="1791621892"/>
+      </p:ext>
+    </p:extLst>
+  </p:cSld>
+  <p:clrMapOvr>
+    <a:masterClrMapping/>
+  </p:clrMapOvr>
+</p:sld>
+</file>
+
+<file path=ppt/slides/slide14.xml><?xml version="1.0" encoding="utf-8"?>
+<p:sld xmlns:a="http://schemas.openxmlformats.org/drawingml/2006/main" xmlns:r="http://schemas.openxmlformats.org/officeDocument/2006/relationships" xmlns:p="http://schemas.openxmlformats.org/presentationml/2006/main">
+  <p:cSld>
+    <p:spTree>
+      <p:nvGrpSpPr>
+        <p:cNvPr id="1" name=""/>
+        <p:cNvGrpSpPr/>
+        <p:nvPr/>
+      </p:nvGrpSpPr>
+      <p:grpSpPr>
+        <a:xfrm>
+          <a:off x="0" y="0"/>
+          <a:ext cx="0" cy="0"/>
+          <a:chOff x="0" y="0"/>
+          <a:chExt cx="0" cy="0"/>
+        </a:xfrm>
+      </p:grpSpPr>
+      <p:sp>
+        <p:nvSpPr>
+          <p:cNvPr id="2" name="Title 1">
+            <a:extLst>
+              <a:ext uri="{FF2B5EF4-FFF2-40B4-BE49-F238E27FC236}">
+                <a16:creationId xmlns:a16="http://schemas.microsoft.com/office/drawing/2014/main" id="{4DE292A6-8D88-46C3-8D51-318C41C5210F}"/>
+              </a:ext>
+            </a:extLst>
+          </p:cNvPr>
+          <p:cNvSpPr>
+            <a:spLocks noGrp="1"/>
+          </p:cNvSpPr>
+          <p:nvPr>
+            <p:ph type="title"/>
+          </p:nvPr>
+        </p:nvSpPr>
+        <p:spPr/>
+        <p:txBody>
+          <a:bodyPr/>
+          <a:lstStyle/>
+          <a:p>
+            <a:r>
+              <a:rPr lang="en-US" dirty="0"/>
+              <a:t>Conclusion</a:t>
+            </a:r>
+          </a:p>
+        </p:txBody>
+      </p:sp>
+      <p:sp>
+        <p:nvSpPr>
+          <p:cNvPr id="3" name="Content Placeholder 2">
+            <a:extLst>
+              <a:ext uri="{FF2B5EF4-FFF2-40B4-BE49-F238E27FC236}">
+                <a16:creationId xmlns:a16="http://schemas.microsoft.com/office/drawing/2014/main" id="{D141E6F7-7DB6-4451-969C-E7269DCFABB2}"/>
+              </a:ext>
+            </a:extLst>
+          </p:cNvPr>
+          <p:cNvSpPr>
+            <a:spLocks noGrp="1"/>
+          </p:cNvSpPr>
+          <p:nvPr>
+            <p:ph idx="1"/>
+          </p:nvPr>
+        </p:nvSpPr>
+        <p:spPr/>
+        <p:txBody>
+          <a:bodyPr/>
+          <a:lstStyle/>
+          <a:p>
+            <a:r>
+              <a:rPr lang="en-US" dirty="0"/>
+              <a:t>Python is great for quick and efficient development</a:t>
+            </a:r>
+          </a:p>
+          <a:p>
+            <a:endParaRPr lang="en-US" dirty="0"/>
+          </a:p>
+          <a:p>
+            <a:r>
+              <a:rPr lang="en-US" dirty="0"/>
+              <a:t>Takes up very little space to do the same work</a:t>
+            </a:r>
+          </a:p>
+          <a:p>
+            <a:endParaRPr lang="en-US" dirty="0"/>
+          </a:p>
+          <a:p>
+            <a:r>
+              <a:rPr lang="en-US" dirty="0"/>
+              <a:t>Can be harder to understand at first</a:t>
+            </a:r>
+          </a:p>
+        </p:txBody>
+      </p:sp>
+    </p:spTree>
+    <p:extLst>
+      <p:ext uri="{BB962C8B-B14F-4D97-AF65-F5344CB8AC3E}">
+        <p14:creationId xmlns:p14="http://schemas.microsoft.com/office/powerpoint/2010/main" val="4099846214"/>
       </p:ext>
     </p:extLst>
   </p:cSld>
@@ -7817,13 +8987,13 @@
           <a:p>
             <a:r>
               <a:rPr lang="en-US" dirty="0"/>
+              <a:t>Demonstration</a:t>
+            </a:r>
+          </a:p>
+          <a:p>
+            <a:r>
+              <a:rPr lang="en-US" dirty="0"/>
               <a:t>Implementation</a:t>
-            </a:r>
-          </a:p>
-          <a:p>
-            <a:r>
-              <a:rPr lang="en-US" dirty="0"/>
-              <a:t>Demonstration</a:t>
             </a:r>
           </a:p>
           <a:p>
@@ -8274,7 +9444,7 @@
           <a:p>
             <a:r>
               <a:rPr lang="en-US" dirty="0"/>
-              <a:t>Implementation and Demo</a:t>
+              <a:t>Demo</a:t>
             </a:r>
           </a:p>
         </p:txBody>
@@ -8339,7 +9509,7 @@
           <p:cNvPr id="2" name="Title 1">
             <a:extLst>
               <a:ext uri="{FF2B5EF4-FFF2-40B4-BE49-F238E27FC236}">
-                <a16:creationId xmlns:a16="http://schemas.microsoft.com/office/drawing/2014/main" id="{31AA634C-90EB-4E85-9927-A5C311BA9F43}"/>
+                <a16:creationId xmlns:a16="http://schemas.microsoft.com/office/drawing/2014/main" id="{9AC20FF7-D052-49F5-A853-CE6C4C71081A}"/>
               </a:ext>
             </a:extLst>
           </p:cNvPr>
@@ -8357,17 +9527,17 @@
           <a:p>
             <a:r>
               <a:rPr lang="en-US" dirty="0"/>
-              <a:t>Observations</a:t>
-            </a:r>
-          </a:p>
-        </p:txBody>
-      </p:sp>
-      <p:sp>
-        <p:nvSpPr>
-          <p:cNvPr id="3" name="Content Placeholder 2">
+              <a:t>Implementation</a:t>
+            </a:r>
+          </a:p>
+        </p:txBody>
+      </p:sp>
+      <p:sp>
+        <p:nvSpPr>
+          <p:cNvPr id="11" name="Text Placeholder 10">
             <a:extLst>
               <a:ext uri="{FF2B5EF4-FFF2-40B4-BE49-F238E27FC236}">
-                <a16:creationId xmlns:a16="http://schemas.microsoft.com/office/drawing/2014/main" id="{DCAFF27D-9456-454E-8FC4-F0332E101251}"/>
+                <a16:creationId xmlns:a16="http://schemas.microsoft.com/office/drawing/2014/main" id="{2B21AEE5-C01F-4189-A0F4-2AB919966864}"/>
               </a:ext>
             </a:extLst>
           </p:cNvPr>
@@ -8375,68 +9545,111 @@
             <a:spLocks noGrp="1"/>
           </p:cNvSpPr>
           <p:nvPr>
-            <p:ph idx="1"/>
+            <p:ph type="body" idx="1"/>
           </p:nvPr>
         </p:nvSpPr>
         <p:spPr/>
         <p:txBody>
-          <a:bodyPr>
-            <a:normAutofit/>
-          </a:bodyPr>
+          <a:bodyPr/>
           <a:lstStyle/>
           <a:p>
             <a:r>
               <a:rPr lang="en-US" dirty="0"/>
-              <a:t>Total lines of code: </a:t>
-            </a:r>
-          </a:p>
-          <a:p>
-            <a:pPr lvl="1"/>
+              <a:t>Python</a:t>
+            </a:r>
+          </a:p>
+        </p:txBody>
+      </p:sp>
+      <p:sp>
+        <p:nvSpPr>
+          <p:cNvPr id="12" name="Text Placeholder 11">
+            <a:extLst>
+              <a:ext uri="{FF2B5EF4-FFF2-40B4-BE49-F238E27FC236}">
+                <a16:creationId xmlns:a16="http://schemas.microsoft.com/office/drawing/2014/main" id="{7F806451-AA69-47D3-B2F6-869A1A53F0BD}"/>
+              </a:ext>
+            </a:extLst>
+          </p:cNvPr>
+          <p:cNvSpPr>
+            <a:spLocks noGrp="1"/>
+          </p:cNvSpPr>
+          <p:nvPr>
+            <p:ph type="body" sz="quarter" idx="3"/>
+          </p:nvPr>
+        </p:nvSpPr>
+        <p:spPr/>
+        <p:txBody>
+          <a:bodyPr/>
+          <a:lstStyle/>
+          <a:p>
             <a:r>
               <a:rPr lang="en-US" dirty="0"/>
-              <a:t>Python: 171</a:t>
-            </a:r>
-          </a:p>
-          <a:p>
-            <a:pPr lvl="1"/>
-            <a:r>
-              <a:rPr lang="en-US" dirty="0"/>
-              <a:t>Java: 278</a:t>
-            </a:r>
-          </a:p>
-          <a:p>
-            <a:r>
-              <a:rPr lang="en-US" dirty="0"/>
-              <a:t>List comprehensions and lambda + reduce are both very efficient</a:t>
-            </a:r>
-          </a:p>
-          <a:p>
-            <a:r>
-              <a:rPr lang="en-US" dirty="0"/>
-              <a:t>Decorators made the biggest difference</a:t>
-            </a:r>
-          </a:p>
-          <a:p>
-            <a:r>
-              <a:rPr lang="en-US" dirty="0"/>
-              <a:t>Generators don’t help much</a:t>
-            </a:r>
-          </a:p>
-          <a:p>
-            <a:r>
-              <a:rPr lang="en-US" dirty="0"/>
-              <a:t>Speed difference is negligible</a:t>
-            </a:r>
-          </a:p>
-          <a:p>
-            <a:endParaRPr lang="en-US" dirty="0"/>
-          </a:p>
-        </p:txBody>
-      </p:sp>
+              <a:t>Java</a:t>
+            </a:r>
+          </a:p>
+        </p:txBody>
+      </p:sp>
+      <p:pic>
+        <p:nvPicPr>
+          <p:cNvPr id="7" name="Picture 6">
+            <a:extLst>
+              <a:ext uri="{FF2B5EF4-FFF2-40B4-BE49-F238E27FC236}">
+                <a16:creationId xmlns:a16="http://schemas.microsoft.com/office/drawing/2014/main" id="{7A23D1E0-B20D-46FD-8D43-78779B6491E1}"/>
+              </a:ext>
+            </a:extLst>
+          </p:cNvPr>
+          <p:cNvPicPr>
+            <a:picLocks noChangeAspect="1"/>
+          </p:cNvPicPr>
+          <p:nvPr/>
+        </p:nvPicPr>
+        <p:blipFill rotWithShape="1">
+          <a:blip r:embed="rId2"/>
+          <a:srcRect l="25858" t="19029" r="7524" b="39806"/>
+          <a:stretch/>
+        </p:blipFill>
+        <p:spPr>
+          <a:xfrm>
+            <a:off x="5820154" y="3266736"/>
+            <a:ext cx="6295861" cy="2188329"/>
+          </a:xfrm>
+          <a:prstGeom prst="rect">
+            <a:avLst/>
+          </a:prstGeom>
+        </p:spPr>
+      </p:pic>
+      <p:pic>
+        <p:nvPicPr>
+          <p:cNvPr id="14" name="Content Placeholder 4">
+            <a:extLst>
+              <a:ext uri="{FF2B5EF4-FFF2-40B4-BE49-F238E27FC236}">
+                <a16:creationId xmlns:a16="http://schemas.microsoft.com/office/drawing/2014/main" id="{47EA6E5B-37DC-49AF-A178-BCD4A3CF20BF}"/>
+              </a:ext>
+            </a:extLst>
+          </p:cNvPr>
+          <p:cNvPicPr>
+            <a:picLocks noChangeAspect="1"/>
+          </p:cNvPicPr>
+          <p:nvPr/>
+        </p:nvPicPr>
+        <p:blipFill rotWithShape="1">
+          <a:blip r:embed="rId3"/>
+          <a:srcRect l="240" t="7392" r="55271" b="68054"/>
+          <a:stretch/>
+        </p:blipFill>
+        <p:spPr>
+          <a:xfrm>
+            <a:off x="75985" y="3266735"/>
+            <a:ext cx="5659876" cy="1757099"/>
+          </a:xfrm>
+          <a:prstGeom prst="rect">
+            <a:avLst/>
+          </a:prstGeom>
+        </p:spPr>
+      </p:pic>
     </p:spTree>
     <p:extLst>
       <p:ext uri="{BB962C8B-B14F-4D97-AF65-F5344CB8AC3E}">
-        <p14:creationId xmlns:p14="http://schemas.microsoft.com/office/powerpoint/2010/main" val="1791621892"/>
+        <p14:creationId xmlns:p14="http://schemas.microsoft.com/office/powerpoint/2010/main" val="2420404977"/>
       </p:ext>
     </p:extLst>
   </p:cSld>
@@ -8468,7 +9681,7 @@
           <p:cNvPr id="2" name="Title 1">
             <a:extLst>
               <a:ext uri="{FF2B5EF4-FFF2-40B4-BE49-F238E27FC236}">
-                <a16:creationId xmlns:a16="http://schemas.microsoft.com/office/drawing/2014/main" id="{4DE292A6-8D88-46C3-8D51-318C41C5210F}"/>
+                <a16:creationId xmlns:a16="http://schemas.microsoft.com/office/drawing/2014/main" id="{9AC20FF7-D052-49F5-A853-CE6C4C71081A}"/>
               </a:ext>
             </a:extLst>
           </p:cNvPr>
@@ -8486,17 +9699,17 @@
           <a:p>
             <a:r>
               <a:rPr lang="en-US" dirty="0"/>
-              <a:t>Conclusion</a:t>
-            </a:r>
-          </a:p>
-        </p:txBody>
-      </p:sp>
-      <p:sp>
-        <p:nvSpPr>
-          <p:cNvPr id="3" name="Content Placeholder 2">
+              <a:t>Implementation</a:t>
+            </a:r>
+          </a:p>
+        </p:txBody>
+      </p:sp>
+      <p:sp>
+        <p:nvSpPr>
+          <p:cNvPr id="11" name="Text Placeholder 10">
             <a:extLst>
               <a:ext uri="{FF2B5EF4-FFF2-40B4-BE49-F238E27FC236}">
-                <a16:creationId xmlns:a16="http://schemas.microsoft.com/office/drawing/2014/main" id="{D141E6F7-7DB6-4451-969C-E7269DCFABB2}"/>
+                <a16:creationId xmlns:a16="http://schemas.microsoft.com/office/drawing/2014/main" id="{2B21AEE5-C01F-4189-A0F4-2AB919966864}"/>
               </a:ext>
             </a:extLst>
           </p:cNvPr>
@@ -8504,7 +9717,7 @@
             <a:spLocks noGrp="1"/>
           </p:cNvSpPr>
           <p:nvPr>
-            <p:ph idx="1"/>
+            <p:ph type="body" idx="1"/>
           </p:nvPr>
         </p:nvSpPr>
         <p:spPr/>
@@ -8514,33 +9727,324 @@
           <a:p>
             <a:r>
               <a:rPr lang="en-US" dirty="0"/>
-              <a:t>Python is great for quick and efficient development</a:t>
-            </a:r>
-          </a:p>
-          <a:p>
-            <a:endParaRPr lang="en-US" dirty="0"/>
-          </a:p>
+              <a:t>Python</a:t>
+            </a:r>
+          </a:p>
+        </p:txBody>
+      </p:sp>
+      <p:sp>
+        <p:nvSpPr>
+          <p:cNvPr id="12" name="Text Placeholder 11">
+            <a:extLst>
+              <a:ext uri="{FF2B5EF4-FFF2-40B4-BE49-F238E27FC236}">
+                <a16:creationId xmlns:a16="http://schemas.microsoft.com/office/drawing/2014/main" id="{7F806451-AA69-47D3-B2F6-869A1A53F0BD}"/>
+              </a:ext>
+            </a:extLst>
+          </p:cNvPr>
+          <p:cNvSpPr>
+            <a:spLocks noGrp="1"/>
+          </p:cNvSpPr>
+          <p:nvPr>
+            <p:ph type="body" sz="quarter" idx="3"/>
+          </p:nvPr>
+        </p:nvSpPr>
+        <p:spPr/>
+        <p:txBody>
+          <a:bodyPr/>
+          <a:lstStyle/>
           <a:p>
             <a:r>
               <a:rPr lang="en-US" dirty="0"/>
-              <a:t>Takes up very little space to do the same work</a:t>
-            </a:r>
-          </a:p>
-          <a:p>
-            <a:endParaRPr lang="en-US" dirty="0"/>
-          </a:p>
-          <a:p>
-            <a:r>
-              <a:rPr lang="en-US" dirty="0"/>
-              <a:t>Can be harder to understand at first</a:t>
-            </a:r>
-          </a:p>
-        </p:txBody>
-      </p:sp>
+              <a:t>Java</a:t>
+            </a:r>
+          </a:p>
+        </p:txBody>
+      </p:sp>
+      <p:pic>
+        <p:nvPicPr>
+          <p:cNvPr id="4" name="Picture 3">
+            <a:extLst>
+              <a:ext uri="{FF2B5EF4-FFF2-40B4-BE49-F238E27FC236}">
+                <a16:creationId xmlns:a16="http://schemas.microsoft.com/office/drawing/2014/main" id="{7E9E9C1C-5C94-42B6-8F94-3C7FD22897CB}"/>
+              </a:ext>
+            </a:extLst>
+          </p:cNvPr>
+          <p:cNvPicPr>
+            <a:picLocks noChangeAspect="1"/>
+          </p:cNvPicPr>
+          <p:nvPr/>
+        </p:nvPicPr>
+        <p:blipFill rotWithShape="1">
+          <a:blip r:embed="rId2"/>
+          <a:srcRect t="7120" r="54126" b="78640"/>
+          <a:stretch/>
+        </p:blipFill>
+        <p:spPr>
+          <a:xfrm>
+            <a:off x="227222" y="3156012"/>
+            <a:ext cx="5592932" cy="976544"/>
+          </a:xfrm>
+          <a:prstGeom prst="rect">
+            <a:avLst/>
+          </a:prstGeom>
+        </p:spPr>
+      </p:pic>
+      <p:pic>
+        <p:nvPicPr>
+          <p:cNvPr id="6" name="Picture 5">
+            <a:extLst>
+              <a:ext uri="{FF2B5EF4-FFF2-40B4-BE49-F238E27FC236}">
+                <a16:creationId xmlns:a16="http://schemas.microsoft.com/office/drawing/2014/main" id="{26560517-3AFF-4250-8037-2DBF16A75B2D}"/>
+              </a:ext>
+            </a:extLst>
+          </p:cNvPr>
+          <p:cNvPicPr>
+            <a:picLocks noChangeAspect="1"/>
+          </p:cNvPicPr>
+          <p:nvPr/>
+        </p:nvPicPr>
+        <p:blipFill rotWithShape="1">
+          <a:blip r:embed="rId3"/>
+          <a:srcRect l="25631" t="17029" r="24199" b="37533"/>
+          <a:stretch/>
+        </p:blipFill>
+        <p:spPr>
+          <a:xfrm>
+            <a:off x="5921405" y="3156012"/>
+            <a:ext cx="6116714" cy="3116062"/>
+          </a:xfrm>
+          <a:prstGeom prst="rect">
+            <a:avLst/>
+          </a:prstGeom>
+        </p:spPr>
+      </p:pic>
     </p:spTree>
     <p:extLst>
       <p:ext uri="{BB962C8B-B14F-4D97-AF65-F5344CB8AC3E}">
-        <p14:creationId xmlns:p14="http://schemas.microsoft.com/office/powerpoint/2010/main" val="4099846214"/>
+        <p14:creationId xmlns:p14="http://schemas.microsoft.com/office/powerpoint/2010/main" val="105175659"/>
+      </p:ext>
+    </p:extLst>
+  </p:cSld>
+  <p:clrMapOvr>
+    <a:masterClrMapping/>
+  </p:clrMapOvr>
+</p:sld>
+</file>
+
+<file path=ppt/slides/slide9.xml><?xml version="1.0" encoding="utf-8"?>
+<p:sld xmlns:a="http://schemas.openxmlformats.org/drawingml/2006/main" xmlns:r="http://schemas.openxmlformats.org/officeDocument/2006/relationships" xmlns:p="http://schemas.openxmlformats.org/presentationml/2006/main">
+  <p:cSld>
+    <p:spTree>
+      <p:nvGrpSpPr>
+        <p:cNvPr id="1" name=""/>
+        <p:cNvGrpSpPr/>
+        <p:nvPr/>
+      </p:nvGrpSpPr>
+      <p:grpSpPr>
+        <a:xfrm>
+          <a:off x="0" y="0"/>
+          <a:ext cx="0" cy="0"/>
+          <a:chOff x="0" y="0"/>
+          <a:chExt cx="0" cy="0"/>
+        </a:xfrm>
+      </p:grpSpPr>
+      <p:sp>
+        <p:nvSpPr>
+          <p:cNvPr id="2" name="Title 1">
+            <a:extLst>
+              <a:ext uri="{FF2B5EF4-FFF2-40B4-BE49-F238E27FC236}">
+                <a16:creationId xmlns:a16="http://schemas.microsoft.com/office/drawing/2014/main" id="{9AC20FF7-D052-49F5-A853-CE6C4C71081A}"/>
+              </a:ext>
+            </a:extLst>
+          </p:cNvPr>
+          <p:cNvSpPr>
+            <a:spLocks noGrp="1"/>
+          </p:cNvSpPr>
+          <p:nvPr>
+            <p:ph type="title"/>
+          </p:nvPr>
+        </p:nvSpPr>
+        <p:spPr/>
+        <p:txBody>
+          <a:bodyPr/>
+          <a:lstStyle/>
+          <a:p>
+            <a:r>
+              <a:rPr lang="en-US" dirty="0"/>
+              <a:t>Implementation</a:t>
+            </a:r>
+          </a:p>
+        </p:txBody>
+      </p:sp>
+      <p:sp>
+        <p:nvSpPr>
+          <p:cNvPr id="11" name="Text Placeholder 10">
+            <a:extLst>
+              <a:ext uri="{FF2B5EF4-FFF2-40B4-BE49-F238E27FC236}">
+                <a16:creationId xmlns:a16="http://schemas.microsoft.com/office/drawing/2014/main" id="{2B21AEE5-C01F-4189-A0F4-2AB919966864}"/>
+              </a:ext>
+            </a:extLst>
+          </p:cNvPr>
+          <p:cNvSpPr>
+            <a:spLocks noGrp="1"/>
+          </p:cNvSpPr>
+          <p:nvPr>
+            <p:ph type="body" idx="1"/>
+          </p:nvPr>
+        </p:nvSpPr>
+        <p:spPr/>
+        <p:txBody>
+          <a:bodyPr/>
+          <a:lstStyle/>
+          <a:p>
+            <a:r>
+              <a:rPr lang="en-US" dirty="0"/>
+              <a:t>Python</a:t>
+            </a:r>
+          </a:p>
+        </p:txBody>
+      </p:sp>
+      <p:sp>
+        <p:nvSpPr>
+          <p:cNvPr id="12" name="Text Placeholder 11">
+            <a:extLst>
+              <a:ext uri="{FF2B5EF4-FFF2-40B4-BE49-F238E27FC236}">
+                <a16:creationId xmlns:a16="http://schemas.microsoft.com/office/drawing/2014/main" id="{7F806451-AA69-47D3-B2F6-869A1A53F0BD}"/>
+              </a:ext>
+            </a:extLst>
+          </p:cNvPr>
+          <p:cNvSpPr>
+            <a:spLocks noGrp="1"/>
+          </p:cNvSpPr>
+          <p:nvPr>
+            <p:ph type="body" sz="quarter" idx="3"/>
+          </p:nvPr>
+        </p:nvSpPr>
+        <p:spPr/>
+        <p:txBody>
+          <a:bodyPr/>
+          <a:lstStyle/>
+          <a:p>
+            <a:r>
+              <a:rPr lang="en-US" dirty="0"/>
+              <a:t>Java</a:t>
+            </a:r>
+          </a:p>
+        </p:txBody>
+      </p:sp>
+      <p:pic>
+        <p:nvPicPr>
+          <p:cNvPr id="10" name="Picture 9">
+            <a:extLst>
+              <a:ext uri="{FF2B5EF4-FFF2-40B4-BE49-F238E27FC236}">
+                <a16:creationId xmlns:a16="http://schemas.microsoft.com/office/drawing/2014/main" id="{AD22FEA9-57B6-4ACE-9A57-5A535A15E630}"/>
+              </a:ext>
+            </a:extLst>
+          </p:cNvPr>
+          <p:cNvPicPr>
+            <a:picLocks noChangeAspect="1"/>
+          </p:cNvPicPr>
+          <p:nvPr/>
+        </p:nvPicPr>
+        <p:blipFill rotWithShape="1">
+          <a:blip r:embed="rId2"/>
+          <a:srcRect l="36262" t="34074" r="9128" b="48503"/>
+          <a:stretch/>
+        </p:blipFill>
+        <p:spPr>
+          <a:xfrm>
+            <a:off x="5487250" y="3229542"/>
+            <a:ext cx="6658252" cy="1194783"/>
+          </a:xfrm>
+          <a:prstGeom prst="rect">
+            <a:avLst/>
+          </a:prstGeom>
+        </p:spPr>
+      </p:pic>
+      <p:pic>
+        <p:nvPicPr>
+          <p:cNvPr id="14" name="Picture 13">
+            <a:extLst>
+              <a:ext uri="{FF2B5EF4-FFF2-40B4-BE49-F238E27FC236}">
+                <a16:creationId xmlns:a16="http://schemas.microsoft.com/office/drawing/2014/main" id="{EF46CE1B-E04F-48CC-8588-76726D4340EF}"/>
+              </a:ext>
+            </a:extLst>
+          </p:cNvPr>
+          <p:cNvPicPr>
+            <a:picLocks noChangeAspect="1"/>
+          </p:cNvPicPr>
+          <p:nvPr/>
+        </p:nvPicPr>
+        <p:blipFill rotWithShape="1">
+          <a:blip r:embed="rId3"/>
+          <a:srcRect l="761" t="8831" r="55122" b="65924"/>
+          <a:stretch/>
+        </p:blipFill>
+        <p:spPr>
+          <a:xfrm>
+            <a:off x="46498" y="3229542"/>
+            <a:ext cx="5378677" cy="1731263"/>
+          </a:xfrm>
+          <a:prstGeom prst="rect">
+            <a:avLst/>
+          </a:prstGeom>
+        </p:spPr>
+      </p:pic>
+      <mc:AlternateContent xmlns:mc="http://schemas.openxmlformats.org/markup-compatibility/2006">
+        <mc:Choice xmlns:p14="http://schemas.microsoft.com/office/powerpoint/2010/main" Requires="p14">
+          <p:contentPart p14:bwMode="auto" r:id="rId4">
+            <p14:nvContentPartPr>
+              <p14:cNvPr id="6" name="Ink 5">
+                <a:extLst>
+                  <a:ext uri="{FF2B5EF4-FFF2-40B4-BE49-F238E27FC236}">
+                    <a16:creationId xmlns:a16="http://schemas.microsoft.com/office/drawing/2014/main" id="{9945277B-0935-4984-862B-2EAA46D680CC}"/>
+                  </a:ext>
+                </a:extLst>
+              </p14:cNvPr>
+              <p14:cNvContentPartPr/>
+              <p14:nvPr/>
+            </p14:nvContentPartPr>
+            <p14:xfrm>
+              <a:off x="5522054" y="3435162"/>
+              <a:ext cx="3728880" cy="149040"/>
+            </p14:xfrm>
+          </p:contentPart>
+        </mc:Choice>
+        <mc:Fallback>
+          <p:pic>
+            <p:nvPicPr>
+              <p:cNvPr id="6" name="Ink 5">
+                <a:extLst>
+                  <a:ext uri="{FF2B5EF4-FFF2-40B4-BE49-F238E27FC236}">
+                    <a16:creationId xmlns:a16="http://schemas.microsoft.com/office/drawing/2014/main" id="{9945277B-0935-4984-862B-2EAA46D680CC}"/>
+                  </a:ext>
+                </a:extLst>
+              </p:cNvPr>
+              <p:cNvPicPr/>
+              <p:nvPr/>
+            </p:nvPicPr>
+            <p:blipFill>
+              <a:blip r:embed="rId5"/>
+              <a:stretch>
+                <a:fillRect/>
+              </a:stretch>
+            </p:blipFill>
+            <p:spPr>
+              <a:xfrm>
+                <a:off x="5484254" y="3397002"/>
+                <a:ext cx="3804840" cy="225000"/>
+              </a:xfrm>
+              <a:prstGeom prst="rect">
+                <a:avLst/>
+              </a:prstGeom>
+            </p:spPr>
+          </p:pic>
+        </mc:Fallback>
+      </mc:AlternateContent>
+    </p:spTree>
+    <p:extLst>
+      <p:ext uri="{BB962C8B-B14F-4D97-AF65-F5344CB8AC3E}">
+        <p14:creationId xmlns:p14="http://schemas.microsoft.com/office/powerpoint/2010/main" val="1760831567"/>
       </p:ext>
     </p:extLst>
   </p:cSld>
@@ -8802,4 +10306,299 @@
     </a:ext>
   </a:extLst>
 </a:theme>
+</file>
+
+<file path=ppt/theme/theme2.xml><?xml version="1.0" encoding="utf-8"?>
+<a:theme xmlns:a="http://schemas.openxmlformats.org/drawingml/2006/main" name="Office Theme">
+  <a:themeElements>
+    <a:clrScheme name="Office">
+      <a:dk1>
+        <a:sysClr val="windowText" lastClr="000000"/>
+      </a:dk1>
+      <a:lt1>
+        <a:sysClr val="window" lastClr="FFFFFF"/>
+      </a:lt1>
+      <a:dk2>
+        <a:srgbClr val="44546A"/>
+      </a:dk2>
+      <a:lt2>
+        <a:srgbClr val="E7E6E6"/>
+      </a:lt2>
+      <a:accent1>
+        <a:srgbClr val="4472C4"/>
+      </a:accent1>
+      <a:accent2>
+        <a:srgbClr val="ED7D31"/>
+      </a:accent2>
+      <a:accent3>
+        <a:srgbClr val="A5A5A5"/>
+      </a:accent3>
+      <a:accent4>
+        <a:srgbClr val="FFC000"/>
+      </a:accent4>
+      <a:accent5>
+        <a:srgbClr val="5B9BD5"/>
+      </a:accent5>
+      <a:accent6>
+        <a:srgbClr val="70AD47"/>
+      </a:accent6>
+      <a:hlink>
+        <a:srgbClr val="0563C1"/>
+      </a:hlink>
+      <a:folHlink>
+        <a:srgbClr val="954F72"/>
+      </a:folHlink>
+    </a:clrScheme>
+    <a:fontScheme name="Office">
+      <a:majorFont>
+        <a:latin typeface="Calibri Light" panose="020F0302020204030204"/>
+        <a:ea typeface=""/>
+        <a:cs typeface=""/>
+        <a:font script="Jpan" typeface="游ゴシック Light"/>
+        <a:font script="Hang" typeface="맑은 고딕"/>
+        <a:font script="Hans" typeface="等线 Light"/>
+        <a:font script="Hant" typeface="新細明體"/>
+        <a:font script="Arab" typeface="Times New Roman"/>
+        <a:font script="Hebr" typeface="Times New Roman"/>
+        <a:font script="Thai" typeface="Angsana New"/>
+        <a:font script="Ethi" typeface="Nyala"/>
+        <a:font script="Beng" typeface="Vrinda"/>
+        <a:font script="Gujr" typeface="Shruti"/>
+        <a:font script="Khmr" typeface="MoolBoran"/>
+        <a:font script="Knda" typeface="Tunga"/>
+        <a:font script="Guru" typeface="Raavi"/>
+        <a:font script="Cans" typeface="Euphemia"/>
+        <a:font script="Cher" typeface="Plantagenet Cherokee"/>
+        <a:font script="Yiii" typeface="Microsoft Yi Baiti"/>
+        <a:font script="Tibt" typeface="Microsoft Himalaya"/>
+        <a:font script="Thaa" typeface="MV Boli"/>
+        <a:font script="Deva" typeface="Mangal"/>
+        <a:font script="Telu" typeface="Gautami"/>
+        <a:font script="Taml" typeface="Latha"/>
+        <a:font script="Syrc" typeface="Estrangelo Edessa"/>
+        <a:font script="Orya" typeface="Kalinga"/>
+        <a:font script="Mlym" typeface="Kartika"/>
+        <a:font script="Laoo" typeface="DokChampa"/>
+        <a:font script="Sinh" typeface="Iskoola Pota"/>
+        <a:font script="Mong" typeface="Mongolian Baiti"/>
+        <a:font script="Viet" typeface="Times New Roman"/>
+        <a:font script="Uigh" typeface="Microsoft Uighur"/>
+        <a:font script="Geor" typeface="Sylfaen"/>
+        <a:font script="Armn" typeface="Arial"/>
+        <a:font script="Bugi" typeface="Leelawadee UI"/>
+        <a:font script="Bopo" typeface="Microsoft JhengHei"/>
+        <a:font script="Java" typeface="Javanese Text"/>
+        <a:font script="Lisu" typeface="Segoe UI"/>
+        <a:font script="Mymr" typeface="Myanmar Text"/>
+        <a:font script="Nkoo" typeface="Ebrima"/>
+        <a:font script="Olck" typeface="Nirmala UI"/>
+        <a:font script="Osma" typeface="Ebrima"/>
+        <a:font script="Phag" typeface="Phagspa"/>
+        <a:font script="Syrn" typeface="Estrangelo Edessa"/>
+        <a:font script="Syrj" typeface="Estrangelo Edessa"/>
+        <a:font script="Syre" typeface="Estrangelo Edessa"/>
+        <a:font script="Sora" typeface="Nirmala UI"/>
+        <a:font script="Tale" typeface="Microsoft Tai Le"/>
+        <a:font script="Talu" typeface="Microsoft New Tai Lue"/>
+        <a:font script="Tfng" typeface="Ebrima"/>
+      </a:majorFont>
+      <a:minorFont>
+        <a:latin typeface="Calibri" panose="020F0502020204030204"/>
+        <a:ea typeface=""/>
+        <a:cs typeface=""/>
+        <a:font script="Jpan" typeface="游ゴシック"/>
+        <a:font script="Hang" typeface="맑은 고딕"/>
+        <a:font script="Hans" typeface="等线"/>
+        <a:font script="Hant" typeface="新細明體"/>
+        <a:font script="Arab" typeface="Arial"/>
+        <a:font script="Hebr" typeface="Arial"/>
+        <a:font script="Thai" typeface="Cordia New"/>
+        <a:font script="Ethi" typeface="Nyala"/>
+        <a:font script="Beng" typeface="Vrinda"/>
+        <a:font script="Gujr" typeface="Shruti"/>
+        <a:font script="Khmr" typeface="DaunPenh"/>
+        <a:font script="Knda" typeface="Tunga"/>
+        <a:font script="Guru" typeface="Raavi"/>
+        <a:font script="Cans" typeface="Euphemia"/>
+        <a:font script="Cher" typeface="Plantagenet Cherokee"/>
+        <a:font script="Yiii" typeface="Microsoft Yi Baiti"/>
+        <a:font script="Tibt" typeface="Microsoft Himalaya"/>
+        <a:font script="Thaa" typeface="MV Boli"/>
+        <a:font script="Deva" typeface="Mangal"/>
+        <a:font script="Telu" typeface="Gautami"/>
+        <a:font script="Taml" typeface="Latha"/>
+        <a:font script="Syrc" typeface="Estrangelo Edessa"/>
+        <a:font script="Orya" typeface="Kalinga"/>
+        <a:font script="Mlym" typeface="Kartika"/>
+        <a:font script="Laoo" typeface="DokChampa"/>
+        <a:font script="Sinh" typeface="Iskoola Pota"/>
+        <a:font script="Mong" typeface="Mongolian Baiti"/>
+        <a:font script="Viet" typeface="Arial"/>
+        <a:font script="Uigh" typeface="Microsoft Uighur"/>
+        <a:font script="Geor" typeface="Sylfaen"/>
+        <a:font script="Armn" typeface="Arial"/>
+        <a:font script="Bugi" typeface="Leelawadee UI"/>
+        <a:font script="Bopo" typeface="Microsoft JhengHei"/>
+        <a:font script="Java" typeface="Javanese Text"/>
+        <a:font script="Lisu" typeface="Segoe UI"/>
+        <a:font script="Mymr" typeface="Myanmar Text"/>
+        <a:font script="Nkoo" typeface="Ebrima"/>
+        <a:font script="Olck" typeface="Nirmala UI"/>
+        <a:font script="Osma" typeface="Ebrima"/>
+        <a:font script="Phag" typeface="Phagspa"/>
+        <a:font script="Syrn" typeface="Estrangelo Edessa"/>
+        <a:font script="Syrj" typeface="Estrangelo Edessa"/>
+        <a:font script="Syre" typeface="Estrangelo Edessa"/>
+        <a:font script="Sora" typeface="Nirmala UI"/>
+        <a:font script="Tale" typeface="Microsoft Tai Le"/>
+        <a:font script="Talu" typeface="Microsoft New Tai Lue"/>
+        <a:font script="Tfng" typeface="Ebrima"/>
+      </a:minorFont>
+    </a:fontScheme>
+    <a:fmtScheme name="Office">
+      <a:fillStyleLst>
+        <a:solidFill>
+          <a:schemeClr val="phClr"/>
+        </a:solidFill>
+        <a:gradFill rotWithShape="1">
+          <a:gsLst>
+            <a:gs pos="0">
+              <a:schemeClr val="phClr">
+                <a:lumMod val="110000"/>
+                <a:satMod val="105000"/>
+                <a:tint val="67000"/>
+              </a:schemeClr>
+            </a:gs>
+            <a:gs pos="50000">
+              <a:schemeClr val="phClr">
+                <a:lumMod val="105000"/>
+                <a:satMod val="103000"/>
+                <a:tint val="73000"/>
+              </a:schemeClr>
+            </a:gs>
+            <a:gs pos="100000">
+              <a:schemeClr val="phClr">
+                <a:lumMod val="105000"/>
+                <a:satMod val="109000"/>
+                <a:tint val="81000"/>
+              </a:schemeClr>
+            </a:gs>
+          </a:gsLst>
+          <a:lin ang="5400000" scaled="0"/>
+        </a:gradFill>
+        <a:gradFill rotWithShape="1">
+          <a:gsLst>
+            <a:gs pos="0">
+              <a:schemeClr val="phClr">
+                <a:satMod val="103000"/>
+                <a:lumMod val="102000"/>
+                <a:tint val="94000"/>
+              </a:schemeClr>
+            </a:gs>
+            <a:gs pos="50000">
+              <a:schemeClr val="phClr">
+                <a:satMod val="110000"/>
+                <a:lumMod val="100000"/>
+                <a:shade val="100000"/>
+              </a:schemeClr>
+            </a:gs>
+            <a:gs pos="100000">
+              <a:schemeClr val="phClr">
+                <a:lumMod val="99000"/>
+                <a:satMod val="120000"/>
+                <a:shade val="78000"/>
+              </a:schemeClr>
+            </a:gs>
+          </a:gsLst>
+          <a:lin ang="5400000" scaled="0"/>
+        </a:gradFill>
+      </a:fillStyleLst>
+      <a:lnStyleLst>
+        <a:ln w="6350" cap="flat" cmpd="sng" algn="ctr">
+          <a:solidFill>
+            <a:schemeClr val="phClr"/>
+          </a:solidFill>
+          <a:prstDash val="solid"/>
+          <a:miter lim="800000"/>
+        </a:ln>
+        <a:ln w="12700" cap="flat" cmpd="sng" algn="ctr">
+          <a:solidFill>
+            <a:schemeClr val="phClr"/>
+          </a:solidFill>
+          <a:prstDash val="solid"/>
+          <a:miter lim="800000"/>
+        </a:ln>
+        <a:ln w="19050" cap="flat" cmpd="sng" algn="ctr">
+          <a:solidFill>
+            <a:schemeClr val="phClr"/>
+          </a:solidFill>
+          <a:prstDash val="solid"/>
+          <a:miter lim="800000"/>
+        </a:ln>
+      </a:lnStyleLst>
+      <a:effectStyleLst>
+        <a:effectStyle>
+          <a:effectLst/>
+        </a:effectStyle>
+        <a:effectStyle>
+          <a:effectLst/>
+        </a:effectStyle>
+        <a:effectStyle>
+          <a:effectLst>
+            <a:outerShdw blurRad="57150" dist="19050" dir="5400000" algn="ctr" rotWithShape="0">
+              <a:srgbClr val="000000">
+                <a:alpha val="63000"/>
+              </a:srgbClr>
+            </a:outerShdw>
+          </a:effectLst>
+        </a:effectStyle>
+      </a:effectStyleLst>
+      <a:bgFillStyleLst>
+        <a:solidFill>
+          <a:schemeClr val="phClr"/>
+        </a:solidFill>
+        <a:solidFill>
+          <a:schemeClr val="phClr">
+            <a:tint val="95000"/>
+            <a:satMod val="170000"/>
+          </a:schemeClr>
+        </a:solidFill>
+        <a:gradFill rotWithShape="1">
+          <a:gsLst>
+            <a:gs pos="0">
+              <a:schemeClr val="phClr">
+                <a:tint val="93000"/>
+                <a:satMod val="150000"/>
+                <a:shade val="98000"/>
+                <a:lumMod val="102000"/>
+              </a:schemeClr>
+            </a:gs>
+            <a:gs pos="50000">
+              <a:schemeClr val="phClr">
+                <a:tint val="98000"/>
+                <a:satMod val="130000"/>
+                <a:shade val="90000"/>
+                <a:lumMod val="103000"/>
+              </a:schemeClr>
+            </a:gs>
+            <a:gs pos="100000">
+              <a:schemeClr val="phClr">
+                <a:shade val="63000"/>
+                <a:satMod val="120000"/>
+              </a:schemeClr>
+            </a:gs>
+          </a:gsLst>
+          <a:lin ang="5400000" scaled="0"/>
+        </a:gradFill>
+      </a:bgFillStyleLst>
+    </a:fmtScheme>
+  </a:themeElements>
+  <a:objectDefaults/>
+  <a:extraClrSchemeLst/>
+  <a:extLst>
+    <a:ext uri="{05A4C25C-085E-4340-85A3-A5531E510DB2}">
+      <thm15:themeFamily xmlns:thm15="http://schemas.microsoft.com/office/thememl/2012/main" name="Office Theme" id="{62F939B6-93AF-4DB8-9C6B-D6C7DFDC589F}" vid="{4A3C46E8-61CC-4603-A589-7422A47A8E4A}"/>
+    </a:ext>
+  </a:extLst>
+</a:theme>
 </file>
--- a/Presentation.pptx
+++ b/Presentation.pptx
@@ -551,7 +551,529 @@
           <a:p>
             <a:r>
               <a:rPr lang="en-US" dirty="0"/>
-              <a:t>-</a:t>
+              <a:t>Python: 11, Java: 14</a:t>
+            </a:r>
+          </a:p>
+        </p:txBody>
+      </p:sp>
+      <p:sp>
+        <p:nvSpPr>
+          <p:cNvPr id="4" name="Slide Number Placeholder 3"/>
+          <p:cNvSpPr>
+            <a:spLocks noGrp="1"/>
+          </p:cNvSpPr>
+          <p:nvPr>
+            <p:ph type="sldNum" sz="quarter" idx="5"/>
+          </p:nvPr>
+        </p:nvSpPr>
+        <p:spPr/>
+        <p:txBody>
+          <a:bodyPr/>
+          <a:lstStyle/>
+          <a:p>
+            <a:fld id="{825E73E2-B7FB-49D4-A7C7-EA9B09A9D0CF}" type="slidenum">
+              <a:rPr lang="en-US" smtClean="0"/>
+              <a:t>7</a:t>
+            </a:fld>
+            <a:endParaRPr lang="en-US"/>
+          </a:p>
+        </p:txBody>
+      </p:sp>
+    </p:spTree>
+    <p:extLst>
+      <p:ext uri="{BB962C8B-B14F-4D97-AF65-F5344CB8AC3E}">
+        <p14:creationId xmlns:p14="http://schemas.microsoft.com/office/powerpoint/2010/main" val="141400999"/>
+      </p:ext>
+    </p:extLst>
+  </p:cSld>
+  <p:clrMapOvr>
+    <a:masterClrMapping/>
+  </p:clrMapOvr>
+</p:notes>
+</file>
+
+<file path=ppt/notesSlides/notesSlide2.xml><?xml version="1.0" encoding="utf-8"?>
+<p:notes xmlns:a="http://schemas.openxmlformats.org/drawingml/2006/main" xmlns:r="http://schemas.openxmlformats.org/officeDocument/2006/relationships" xmlns:p="http://schemas.openxmlformats.org/presentationml/2006/main">
+  <p:cSld>
+    <p:spTree>
+      <p:nvGrpSpPr>
+        <p:cNvPr id="1" name=""/>
+        <p:cNvGrpSpPr/>
+        <p:nvPr/>
+      </p:nvGrpSpPr>
+      <p:grpSpPr>
+        <a:xfrm>
+          <a:off x="0" y="0"/>
+          <a:ext cx="0" cy="0"/>
+          <a:chOff x="0" y="0"/>
+          <a:chExt cx="0" cy="0"/>
+        </a:xfrm>
+      </p:grpSpPr>
+      <p:sp>
+        <p:nvSpPr>
+          <p:cNvPr id="2" name="Slide Image Placeholder 1"/>
+          <p:cNvSpPr>
+            <a:spLocks noGrp="1" noRot="1" noChangeAspect="1"/>
+          </p:cNvSpPr>
+          <p:nvPr>
+            <p:ph type="sldImg"/>
+          </p:nvPr>
+        </p:nvSpPr>
+        <p:spPr/>
+      </p:sp>
+      <p:sp>
+        <p:nvSpPr>
+          <p:cNvPr id="3" name="Notes Placeholder 2"/>
+          <p:cNvSpPr>
+            <a:spLocks noGrp="1"/>
+          </p:cNvSpPr>
+          <p:nvPr>
+            <p:ph type="body" idx="1"/>
+          </p:nvPr>
+        </p:nvSpPr>
+        <p:spPr/>
+        <p:txBody>
+          <a:bodyPr/>
+          <a:lstStyle/>
+          <a:p>
+            <a:r>
+              <a:rPr lang="en-US" dirty="0"/>
+              <a:t>Python: 6, Java: 15</a:t>
+            </a:r>
+          </a:p>
+        </p:txBody>
+      </p:sp>
+      <p:sp>
+        <p:nvSpPr>
+          <p:cNvPr id="4" name="Slide Number Placeholder 3"/>
+          <p:cNvSpPr>
+            <a:spLocks noGrp="1"/>
+          </p:cNvSpPr>
+          <p:nvPr>
+            <p:ph type="sldNum" sz="quarter" idx="5"/>
+          </p:nvPr>
+        </p:nvSpPr>
+        <p:spPr/>
+        <p:txBody>
+          <a:bodyPr/>
+          <a:lstStyle/>
+          <a:p>
+            <a:fld id="{825E73E2-B7FB-49D4-A7C7-EA9B09A9D0CF}" type="slidenum">
+              <a:rPr lang="en-US" smtClean="0"/>
+              <a:t>8</a:t>
+            </a:fld>
+            <a:endParaRPr lang="en-US"/>
+          </a:p>
+        </p:txBody>
+      </p:sp>
+    </p:spTree>
+    <p:extLst>
+      <p:ext uri="{BB962C8B-B14F-4D97-AF65-F5344CB8AC3E}">
+        <p14:creationId xmlns:p14="http://schemas.microsoft.com/office/powerpoint/2010/main" val="244066117"/>
+      </p:ext>
+    </p:extLst>
+  </p:cSld>
+  <p:clrMapOvr>
+    <a:masterClrMapping/>
+  </p:clrMapOvr>
+</p:notes>
+</file>
+
+<file path=ppt/notesSlides/notesSlide3.xml><?xml version="1.0" encoding="utf-8"?>
+<p:notes xmlns:a="http://schemas.openxmlformats.org/drawingml/2006/main" xmlns:r="http://schemas.openxmlformats.org/officeDocument/2006/relationships" xmlns:p="http://schemas.openxmlformats.org/presentationml/2006/main">
+  <p:cSld>
+    <p:spTree>
+      <p:nvGrpSpPr>
+        <p:cNvPr id="1" name=""/>
+        <p:cNvGrpSpPr/>
+        <p:nvPr/>
+      </p:nvGrpSpPr>
+      <p:grpSpPr>
+        <a:xfrm>
+          <a:off x="0" y="0"/>
+          <a:ext cx="0" cy="0"/>
+          <a:chOff x="0" y="0"/>
+          <a:chExt cx="0" cy="0"/>
+        </a:xfrm>
+      </p:grpSpPr>
+      <p:sp>
+        <p:nvSpPr>
+          <p:cNvPr id="2" name="Slide Image Placeholder 1"/>
+          <p:cNvSpPr>
+            <a:spLocks noGrp="1" noRot="1" noChangeAspect="1"/>
+          </p:cNvSpPr>
+          <p:nvPr>
+            <p:ph type="sldImg"/>
+          </p:nvPr>
+        </p:nvSpPr>
+        <p:spPr/>
+      </p:sp>
+      <p:sp>
+        <p:nvSpPr>
+          <p:cNvPr id="3" name="Notes Placeholder 2"/>
+          <p:cNvSpPr>
+            <a:spLocks noGrp="1"/>
+          </p:cNvSpPr>
+          <p:nvPr>
+            <p:ph type="body" idx="1"/>
+          </p:nvPr>
+        </p:nvSpPr>
+        <p:spPr/>
+        <p:txBody>
+          <a:bodyPr/>
+          <a:lstStyle/>
+          <a:p>
+            <a:r>
+              <a:rPr lang="en-US" dirty="0"/>
+              <a:t>Python: 12 + 1, Java: 4 x usage</a:t>
+            </a:r>
+          </a:p>
+        </p:txBody>
+      </p:sp>
+      <p:sp>
+        <p:nvSpPr>
+          <p:cNvPr id="4" name="Slide Number Placeholder 3"/>
+          <p:cNvSpPr>
+            <a:spLocks noGrp="1"/>
+          </p:cNvSpPr>
+          <p:nvPr>
+            <p:ph type="sldNum" sz="quarter" idx="5"/>
+          </p:nvPr>
+        </p:nvSpPr>
+        <p:spPr/>
+        <p:txBody>
+          <a:bodyPr/>
+          <a:lstStyle/>
+          <a:p>
+            <a:fld id="{825E73E2-B7FB-49D4-A7C7-EA9B09A9D0CF}" type="slidenum">
+              <a:rPr lang="en-US" smtClean="0"/>
+              <a:t>9</a:t>
+            </a:fld>
+            <a:endParaRPr lang="en-US"/>
+          </a:p>
+        </p:txBody>
+      </p:sp>
+    </p:spTree>
+    <p:extLst>
+      <p:ext uri="{BB962C8B-B14F-4D97-AF65-F5344CB8AC3E}">
+        <p14:creationId xmlns:p14="http://schemas.microsoft.com/office/powerpoint/2010/main" val="1621625566"/>
+      </p:ext>
+    </p:extLst>
+  </p:cSld>
+  <p:clrMapOvr>
+    <a:masterClrMapping/>
+  </p:clrMapOvr>
+</p:notes>
+</file>
+
+<file path=ppt/notesSlides/notesSlide4.xml><?xml version="1.0" encoding="utf-8"?>
+<p:notes xmlns:a="http://schemas.openxmlformats.org/drawingml/2006/main" xmlns:r="http://schemas.openxmlformats.org/officeDocument/2006/relationships" xmlns:p="http://schemas.openxmlformats.org/presentationml/2006/main">
+  <p:cSld>
+    <p:spTree>
+      <p:nvGrpSpPr>
+        <p:cNvPr id="1" name=""/>
+        <p:cNvGrpSpPr/>
+        <p:nvPr/>
+      </p:nvGrpSpPr>
+      <p:grpSpPr>
+        <a:xfrm>
+          <a:off x="0" y="0"/>
+          <a:ext cx="0" cy="0"/>
+          <a:chOff x="0" y="0"/>
+          <a:chExt cx="0" cy="0"/>
+        </a:xfrm>
+      </p:grpSpPr>
+      <p:sp>
+        <p:nvSpPr>
+          <p:cNvPr id="2" name="Slide Image Placeholder 1"/>
+          <p:cNvSpPr>
+            <a:spLocks noGrp="1" noRot="1" noChangeAspect="1"/>
+          </p:cNvSpPr>
+          <p:nvPr>
+            <p:ph type="sldImg"/>
+          </p:nvPr>
+        </p:nvSpPr>
+        <p:spPr/>
+      </p:sp>
+      <p:sp>
+        <p:nvSpPr>
+          <p:cNvPr id="3" name="Notes Placeholder 2"/>
+          <p:cNvSpPr>
+            <a:spLocks noGrp="1"/>
+          </p:cNvSpPr>
+          <p:nvPr>
+            <p:ph type="body" idx="1"/>
+          </p:nvPr>
+        </p:nvSpPr>
+        <p:spPr/>
+        <p:txBody>
+          <a:bodyPr/>
+          <a:lstStyle/>
+          <a:p>
+            <a:r>
+              <a:rPr lang="en-US" dirty="0"/>
+              <a:t>Python: 4, Java: 10</a:t>
+            </a:r>
+          </a:p>
+        </p:txBody>
+      </p:sp>
+      <p:sp>
+        <p:nvSpPr>
+          <p:cNvPr id="4" name="Slide Number Placeholder 3"/>
+          <p:cNvSpPr>
+            <a:spLocks noGrp="1"/>
+          </p:cNvSpPr>
+          <p:nvPr>
+            <p:ph type="sldNum" sz="quarter" idx="5"/>
+          </p:nvPr>
+        </p:nvSpPr>
+        <p:spPr/>
+        <p:txBody>
+          <a:bodyPr/>
+          <a:lstStyle/>
+          <a:p>
+            <a:fld id="{825E73E2-B7FB-49D4-A7C7-EA9B09A9D0CF}" type="slidenum">
+              <a:rPr lang="en-US" smtClean="0"/>
+              <a:t>10</a:t>
+            </a:fld>
+            <a:endParaRPr lang="en-US"/>
+          </a:p>
+        </p:txBody>
+      </p:sp>
+    </p:spTree>
+    <p:extLst>
+      <p:ext uri="{BB962C8B-B14F-4D97-AF65-F5344CB8AC3E}">
+        <p14:creationId xmlns:p14="http://schemas.microsoft.com/office/powerpoint/2010/main" val="1409019988"/>
+      </p:ext>
+    </p:extLst>
+  </p:cSld>
+  <p:clrMapOvr>
+    <a:masterClrMapping/>
+  </p:clrMapOvr>
+</p:notes>
+</file>
+
+<file path=ppt/notesSlides/notesSlide5.xml><?xml version="1.0" encoding="utf-8"?>
+<p:notes xmlns:a="http://schemas.openxmlformats.org/drawingml/2006/main" xmlns:r="http://schemas.openxmlformats.org/officeDocument/2006/relationships" xmlns:p="http://schemas.openxmlformats.org/presentationml/2006/main">
+  <p:cSld>
+    <p:spTree>
+      <p:nvGrpSpPr>
+        <p:cNvPr id="1" name=""/>
+        <p:cNvGrpSpPr/>
+        <p:nvPr/>
+      </p:nvGrpSpPr>
+      <p:grpSpPr>
+        <a:xfrm>
+          <a:off x="0" y="0"/>
+          <a:ext cx="0" cy="0"/>
+          <a:chOff x="0" y="0"/>
+          <a:chExt cx="0" cy="0"/>
+        </a:xfrm>
+      </p:grpSpPr>
+      <p:sp>
+        <p:nvSpPr>
+          <p:cNvPr id="2" name="Slide Image Placeholder 1"/>
+          <p:cNvSpPr>
+            <a:spLocks noGrp="1" noRot="1" noChangeAspect="1"/>
+          </p:cNvSpPr>
+          <p:nvPr>
+            <p:ph type="sldImg"/>
+          </p:nvPr>
+        </p:nvSpPr>
+        <p:spPr/>
+      </p:sp>
+      <p:sp>
+        <p:nvSpPr>
+          <p:cNvPr id="3" name="Notes Placeholder 2"/>
+          <p:cNvSpPr>
+            <a:spLocks noGrp="1"/>
+          </p:cNvSpPr>
+          <p:nvPr>
+            <p:ph type="body" idx="1"/>
+          </p:nvPr>
+        </p:nvSpPr>
+        <p:spPr/>
+        <p:txBody>
+          <a:bodyPr/>
+          <a:lstStyle/>
+          <a:p>
+            <a:r>
+              <a:rPr lang="en-US" dirty="0"/>
+              <a:t>Java: 10</a:t>
+            </a:r>
+          </a:p>
+        </p:txBody>
+      </p:sp>
+      <p:sp>
+        <p:nvSpPr>
+          <p:cNvPr id="4" name="Slide Number Placeholder 3"/>
+          <p:cNvSpPr>
+            <a:spLocks noGrp="1"/>
+          </p:cNvSpPr>
+          <p:nvPr>
+            <p:ph type="sldNum" sz="quarter" idx="5"/>
+          </p:nvPr>
+        </p:nvSpPr>
+        <p:spPr/>
+        <p:txBody>
+          <a:bodyPr/>
+          <a:lstStyle/>
+          <a:p>
+            <a:fld id="{825E73E2-B7FB-49D4-A7C7-EA9B09A9D0CF}" type="slidenum">
+              <a:rPr lang="en-US" smtClean="0"/>
+              <a:t>11</a:t>
+            </a:fld>
+            <a:endParaRPr lang="en-US"/>
+          </a:p>
+        </p:txBody>
+      </p:sp>
+    </p:spTree>
+    <p:extLst>
+      <p:ext uri="{BB962C8B-B14F-4D97-AF65-F5344CB8AC3E}">
+        <p14:creationId xmlns:p14="http://schemas.microsoft.com/office/powerpoint/2010/main" val="2102064586"/>
+      </p:ext>
+    </p:extLst>
+  </p:cSld>
+  <p:clrMapOvr>
+    <a:masterClrMapping/>
+  </p:clrMapOvr>
+</p:notes>
+</file>
+
+<file path=ppt/notesSlides/notesSlide6.xml><?xml version="1.0" encoding="utf-8"?>
+<p:notes xmlns:a="http://schemas.openxmlformats.org/drawingml/2006/main" xmlns:r="http://schemas.openxmlformats.org/officeDocument/2006/relationships" xmlns:p="http://schemas.openxmlformats.org/presentationml/2006/main">
+  <p:cSld>
+    <p:spTree>
+      <p:nvGrpSpPr>
+        <p:cNvPr id="1" name=""/>
+        <p:cNvGrpSpPr/>
+        <p:nvPr/>
+      </p:nvGrpSpPr>
+      <p:grpSpPr>
+        <a:xfrm>
+          <a:off x="0" y="0"/>
+          <a:ext cx="0" cy="0"/>
+          <a:chOff x="0" y="0"/>
+          <a:chExt cx="0" cy="0"/>
+        </a:xfrm>
+      </p:grpSpPr>
+      <p:sp>
+        <p:nvSpPr>
+          <p:cNvPr id="2" name="Slide Image Placeholder 1"/>
+          <p:cNvSpPr>
+            <a:spLocks noGrp="1" noRot="1" noChangeAspect="1"/>
+          </p:cNvSpPr>
+          <p:nvPr>
+            <p:ph type="sldImg"/>
+          </p:nvPr>
+        </p:nvSpPr>
+        <p:spPr/>
+      </p:sp>
+      <p:sp>
+        <p:nvSpPr>
+          <p:cNvPr id="3" name="Notes Placeholder 2"/>
+          <p:cNvSpPr>
+            <a:spLocks noGrp="1"/>
+          </p:cNvSpPr>
+          <p:nvPr>
+            <p:ph type="body" idx="1"/>
+          </p:nvPr>
+        </p:nvSpPr>
+        <p:spPr/>
+        <p:txBody>
+          <a:bodyPr/>
+          <a:lstStyle/>
+          <a:p>
+            <a:r>
+              <a:rPr lang="en-US" dirty="0"/>
+              <a:t>Python: 2</a:t>
+            </a:r>
+          </a:p>
+        </p:txBody>
+      </p:sp>
+      <p:sp>
+        <p:nvSpPr>
+          <p:cNvPr id="4" name="Slide Number Placeholder 3"/>
+          <p:cNvSpPr>
+            <a:spLocks noGrp="1"/>
+          </p:cNvSpPr>
+          <p:nvPr>
+            <p:ph type="sldNum" sz="quarter" idx="5"/>
+          </p:nvPr>
+        </p:nvSpPr>
+        <p:spPr/>
+        <p:txBody>
+          <a:bodyPr/>
+          <a:lstStyle/>
+          <a:p>
+            <a:fld id="{825E73E2-B7FB-49D4-A7C7-EA9B09A9D0CF}" type="slidenum">
+              <a:rPr lang="en-US" smtClean="0"/>
+              <a:t>12</a:t>
+            </a:fld>
+            <a:endParaRPr lang="en-US"/>
+          </a:p>
+        </p:txBody>
+      </p:sp>
+    </p:spTree>
+    <p:extLst>
+      <p:ext uri="{BB962C8B-B14F-4D97-AF65-F5344CB8AC3E}">
+        <p14:creationId xmlns:p14="http://schemas.microsoft.com/office/powerpoint/2010/main" val="1748679608"/>
+      </p:ext>
+    </p:extLst>
+  </p:cSld>
+  <p:clrMapOvr>
+    <a:masterClrMapping/>
+  </p:clrMapOvr>
+</p:notes>
+</file>
+
+<file path=ppt/notesSlides/notesSlide7.xml><?xml version="1.0" encoding="utf-8"?>
+<p:notes xmlns:a="http://schemas.openxmlformats.org/drawingml/2006/main" xmlns:r="http://schemas.openxmlformats.org/officeDocument/2006/relationships" xmlns:p="http://schemas.openxmlformats.org/presentationml/2006/main">
+  <p:cSld>
+    <p:spTree>
+      <p:nvGrpSpPr>
+        <p:cNvPr id="1" name=""/>
+        <p:cNvGrpSpPr/>
+        <p:nvPr/>
+      </p:nvGrpSpPr>
+      <p:grpSpPr>
+        <a:xfrm>
+          <a:off x="0" y="0"/>
+          <a:ext cx="0" cy="0"/>
+          <a:chOff x="0" y="0"/>
+          <a:chExt cx="0" cy="0"/>
+        </a:xfrm>
+      </p:grpSpPr>
+      <p:sp>
+        <p:nvSpPr>
+          <p:cNvPr id="2" name="Slide Image Placeholder 1"/>
+          <p:cNvSpPr>
+            <a:spLocks noGrp="1" noRot="1" noChangeAspect="1"/>
+          </p:cNvSpPr>
+          <p:nvPr>
+            <p:ph type="sldImg"/>
+          </p:nvPr>
+        </p:nvSpPr>
+        <p:spPr/>
+      </p:sp>
+      <p:sp>
+        <p:nvSpPr>
+          <p:cNvPr id="3" name="Notes Placeholder 2"/>
+          <p:cNvSpPr>
+            <a:spLocks noGrp="1"/>
+          </p:cNvSpPr>
+          <p:nvPr>
+            <p:ph type="body" idx="1"/>
+          </p:nvPr>
+        </p:nvSpPr>
+        <p:spPr/>
+        <p:txBody>
+          <a:bodyPr/>
+          <a:lstStyle/>
+          <a:p>
+            <a:r>
+              <a:rPr lang="en-US" dirty="0"/>
+              <a:t>-Java has 60% more code</a:t>
             </a:r>
           </a:p>
           <a:p>
@@ -605,6 +1127,90 @@
     <p:extLst>
       <p:ext uri="{BB962C8B-B14F-4D97-AF65-F5344CB8AC3E}">
         <p14:creationId xmlns:p14="http://schemas.microsoft.com/office/powerpoint/2010/main" val="3602082440"/>
+      </p:ext>
+    </p:extLst>
+  </p:cSld>
+  <p:clrMapOvr>
+    <a:masterClrMapping/>
+  </p:clrMapOvr>
+</p:notes>
+</file>
+
+<file path=ppt/notesSlides/notesSlide8.xml><?xml version="1.0" encoding="utf-8"?>
+<p:notes xmlns:a="http://schemas.openxmlformats.org/drawingml/2006/main" xmlns:r="http://schemas.openxmlformats.org/officeDocument/2006/relationships" xmlns:p="http://schemas.openxmlformats.org/presentationml/2006/main">
+  <p:cSld>
+    <p:spTree>
+      <p:nvGrpSpPr>
+        <p:cNvPr id="1" name=""/>
+        <p:cNvGrpSpPr/>
+        <p:nvPr/>
+      </p:nvGrpSpPr>
+      <p:grpSpPr>
+        <a:xfrm>
+          <a:off x="0" y="0"/>
+          <a:ext cx="0" cy="0"/>
+          <a:chOff x="0" y="0"/>
+          <a:chExt cx="0" cy="0"/>
+        </a:xfrm>
+      </p:grpSpPr>
+      <p:sp>
+        <p:nvSpPr>
+          <p:cNvPr id="2" name="Slide Image Placeholder 1"/>
+          <p:cNvSpPr>
+            <a:spLocks noGrp="1" noRot="1" noChangeAspect="1"/>
+          </p:cNvSpPr>
+          <p:nvPr>
+            <p:ph type="sldImg"/>
+          </p:nvPr>
+        </p:nvSpPr>
+        <p:spPr/>
+      </p:sp>
+      <p:sp>
+        <p:nvSpPr>
+          <p:cNvPr id="3" name="Notes Placeholder 2"/>
+          <p:cNvSpPr>
+            <a:spLocks noGrp="1"/>
+          </p:cNvSpPr>
+          <p:nvPr>
+            <p:ph type="body" idx="1"/>
+          </p:nvPr>
+        </p:nvSpPr>
+        <p:spPr/>
+        <p:txBody>
+          <a:bodyPr/>
+          <a:lstStyle/>
+          <a:p>
+            <a:endParaRPr lang="en-US" dirty="0"/>
+          </a:p>
+        </p:txBody>
+      </p:sp>
+      <p:sp>
+        <p:nvSpPr>
+          <p:cNvPr id="4" name="Slide Number Placeholder 3"/>
+          <p:cNvSpPr>
+            <a:spLocks noGrp="1"/>
+          </p:cNvSpPr>
+          <p:nvPr>
+            <p:ph type="sldNum" sz="quarter" idx="5"/>
+          </p:nvPr>
+        </p:nvSpPr>
+        <p:spPr/>
+        <p:txBody>
+          <a:bodyPr/>
+          <a:lstStyle/>
+          <a:p>
+            <a:fld id="{825E73E2-B7FB-49D4-A7C7-EA9B09A9D0CF}" type="slidenum">
+              <a:rPr lang="en-US" smtClean="0"/>
+              <a:t>14</a:t>
+            </a:fld>
+            <a:endParaRPr lang="en-US"/>
+          </a:p>
+        </p:txBody>
+      </p:sp>
+    </p:spTree>
+    <p:extLst>
+      <p:ext uri="{BB962C8B-B14F-4D97-AF65-F5344CB8AC3E}">
+        <p14:creationId xmlns:p14="http://schemas.microsoft.com/office/powerpoint/2010/main" val="1466302315"/>
       </p:ext>
     </p:extLst>
   </p:cSld>
@@ -8353,7 +8959,7 @@
           <p:nvPr/>
         </p:nvPicPr>
         <p:blipFill rotWithShape="1">
-          <a:blip r:embed="rId2"/>
+          <a:blip r:embed="rId3"/>
           <a:srcRect l="1" t="38539" r="58881" b="52654"/>
           <a:stretch/>
         </p:blipFill>
@@ -8382,7 +8988,7 @@
           <p:nvPr/>
         </p:nvPicPr>
         <p:blipFill rotWithShape="1">
-          <a:blip r:embed="rId3"/>
+          <a:blip r:embed="rId4"/>
           <a:srcRect l="25704" t="22784" r="15566" b="47314"/>
           <a:stretch/>
         </p:blipFill>
@@ -8500,7 +9106,7 @@
           <p:nvPr/>
         </p:nvPicPr>
         <p:blipFill rotWithShape="1">
-          <a:blip r:embed="rId2"/>
+          <a:blip r:embed="rId3"/>
           <a:srcRect l="25340" t="28997" r="50000" b="53786"/>
           <a:stretch/>
         </p:blipFill>
@@ -8529,7 +9135,7 @@
           <p:nvPr/>
         </p:nvPicPr>
         <p:blipFill rotWithShape="1">
-          <a:blip r:embed="rId3"/>
+          <a:blip r:embed="rId4"/>
           <a:srcRect l="25485" t="45437" r="43278" b="46149"/>
           <a:stretch/>
         </p:blipFill>
@@ -8647,7 +9253,7 @@
           <p:nvPr/>
         </p:nvPicPr>
         <p:blipFill rotWithShape="1">
-          <a:blip r:embed="rId2"/>
+          <a:blip r:embed="rId3"/>
           <a:srcRect t="7249" r="26675" b="87508"/>
           <a:stretch/>
         </p:blipFill>
@@ -8770,19 +9376,19 @@
           <a:p>
             <a:r>
               <a:rPr lang="en-US" dirty="0"/>
-              <a:t>Decorators made the biggest difference</a:t>
+              <a:t>Decorators made a big difference if used enough</a:t>
             </a:r>
           </a:p>
           <a:p>
             <a:r>
               <a:rPr lang="en-US" dirty="0"/>
-              <a:t>Generators don’t help much</a:t>
+              <a:t>Generators didn’t save much space</a:t>
             </a:r>
           </a:p>
           <a:p>
             <a:r>
               <a:rPr lang="en-US" dirty="0"/>
-              <a:t>Speed difference is negligible for files, but major for large ones</a:t>
+              <a:t>Speed difference is negligible for small file IO, but major for large files</a:t>
             </a:r>
           </a:p>
           <a:p>
@@ -8889,7 +9495,16 @@
           <a:p>
             <a:r>
               <a:rPr lang="en-US" dirty="0"/>
-              <a:t>Can be harder to understand at first</a:t>
+              <a:t>Not always the fastest</a:t>
+            </a:r>
+          </a:p>
+          <a:p>
+            <a:endParaRPr lang="en-US" dirty="0"/>
+          </a:p>
+          <a:p>
+            <a:r>
+              <a:rPr lang="en-US" dirty="0"/>
+              <a:t>Can be hard to understand</a:t>
             </a:r>
           </a:p>
         </p:txBody>
@@ -8999,6 +9614,12 @@
           <a:p>
             <a:r>
               <a:rPr lang="en-US" dirty="0"/>
+              <a:t>Analysis</a:t>
+            </a:r>
+          </a:p>
+          <a:p>
+            <a:r>
+              <a:rPr lang="en-US" dirty="0"/>
               <a:t>Conclusion</a:t>
             </a:r>
           </a:p>
@@ -9200,7 +9821,7 @@
           </a:p>
           <a:p>
             <a:r>
-              <a:rPr lang="en-US" dirty="0"/>
+              <a:rPr lang="en-US" b="1" dirty="0"/>
               <a:t>Compare amount of code needed in Java and Python</a:t>
             </a:r>
           </a:p>
@@ -9229,7 +9850,7 @@
 </file>
 
 <file path=ppt/slides/slide5.xml><?xml version="1.0" encoding="utf-8"?>
-<p:sld xmlns:a="http://schemas.openxmlformats.org/drawingml/2006/main" xmlns:r="http://schemas.openxmlformats.org/officeDocument/2006/relationships" xmlns:p="http://schemas.openxmlformats.org/presentationml/2006/main">
+<p:sld xmlns:a="http://schemas.openxmlformats.org/drawingml/2006/main" xmlns:r="http://schemas.openxmlformats.org/officeDocument/2006/relationships" xmlns:p="http://schemas.openxmlformats.org/presentationml/2006/main" show="0">
   <p:cSld>
     <p:spTree>
       <p:nvGrpSpPr>
@@ -9326,6 +9947,18 @@
               <a:rPr lang="en-US" dirty="0"/>
               <a:t>Strongly typed</a:t>
             </a:r>
+          </a:p>
+          <a:p>
+            <a:endParaRPr lang="en-US" dirty="0"/>
+          </a:p>
+          <a:p>
+            <a:endParaRPr lang="en-US" dirty="0"/>
+          </a:p>
+          <a:p>
+            <a:pPr marL="0" indent="0">
+              <a:buNone/>
+            </a:pPr>
+            <a:endParaRPr lang="en-US" dirty="0"/>
           </a:p>
           <a:p>
             <a:pPr marL="0" indent="0">
@@ -9603,7 +10236,7 @@
           <p:nvPr/>
         </p:nvPicPr>
         <p:blipFill rotWithShape="1">
-          <a:blip r:embed="rId2"/>
+          <a:blip r:embed="rId3"/>
           <a:srcRect l="25858" t="19029" r="7524" b="39806"/>
           <a:stretch/>
         </p:blipFill>
@@ -9632,7 +10265,7 @@
           <p:nvPr/>
         </p:nvPicPr>
         <p:blipFill rotWithShape="1">
-          <a:blip r:embed="rId3"/>
+          <a:blip r:embed="rId4"/>
           <a:srcRect l="240" t="7392" r="55271" b="68054"/>
           <a:stretch/>
         </p:blipFill>
@@ -9775,7 +10408,7 @@
           <p:nvPr/>
         </p:nvPicPr>
         <p:blipFill rotWithShape="1">
-          <a:blip r:embed="rId2"/>
+          <a:blip r:embed="rId3"/>
           <a:srcRect t="7120" r="54126" b="78640"/>
           <a:stretch/>
         </p:blipFill>
@@ -9804,7 +10437,7 @@
           <p:nvPr/>
         </p:nvPicPr>
         <p:blipFill rotWithShape="1">
-          <a:blip r:embed="rId3"/>
+          <a:blip r:embed="rId4"/>
           <a:srcRect l="25631" t="17029" r="24199" b="37533"/>
           <a:stretch/>
         </p:blipFill>
@@ -9947,7 +10580,7 @@
           <p:nvPr/>
         </p:nvPicPr>
         <p:blipFill rotWithShape="1">
-          <a:blip r:embed="rId2"/>
+          <a:blip r:embed="rId3"/>
           <a:srcRect l="36262" t="34074" r="9128" b="48503"/>
           <a:stretch/>
         </p:blipFill>
@@ -9976,23 +10609,23 @@
           <p:nvPr/>
         </p:nvPicPr>
         <p:blipFill rotWithShape="1">
-          <a:blip r:embed="rId3"/>
-          <a:srcRect l="761" t="8831" r="55122" b="65924"/>
+          <a:blip r:embed="rId4"/>
+          <a:srcRect l="761" t="7046" r="55122" b="65924"/>
           <a:stretch/>
         </p:blipFill>
         <p:spPr>
           <a:xfrm>
-            <a:off x="46498" y="3229542"/>
-            <a:ext cx="5378677" cy="1731263"/>
+            <a:off x="46498" y="3107094"/>
+            <a:ext cx="5378677" cy="1853711"/>
           </a:xfrm>
           <a:prstGeom prst="rect">
             <a:avLst/>
           </a:prstGeom>
         </p:spPr>
       </p:pic>
-      <mc:AlternateContent xmlns:mc="http://schemas.openxmlformats.org/markup-compatibility/2006">
-        <mc:Choice xmlns:p14="http://schemas.microsoft.com/office/powerpoint/2010/main" Requires="p14">
-          <p:contentPart p14:bwMode="auto" r:id="rId4">
+      <mc:AlternateContent xmlns:mc="http://schemas.openxmlformats.org/markup-compatibility/2006" xmlns:p14="http://schemas.microsoft.com/office/powerpoint/2010/main">
+        <mc:Choice Requires="p14">
+          <p:contentPart p14:bwMode="auto" r:id="rId5">
             <p14:nvContentPartPr>
               <p14:cNvPr id="6" name="Ink 5">
                 <a:extLst>
@@ -10010,7 +10643,7 @@
             </p14:xfrm>
           </p:contentPart>
         </mc:Choice>
-        <mc:Fallback>
+        <mc:Fallback xmlns="">
           <p:pic>
             <p:nvPicPr>
               <p:cNvPr id="6" name="Ink 5">
@@ -10024,7 +10657,7 @@
               <p:nvPr/>
             </p:nvPicPr>
             <p:blipFill>
-              <a:blip r:embed="rId5"/>
+              <a:blip r:embed="rId6"/>
               <a:stretch>
                 <a:fillRect/>
               </a:stretch>
